--- a/instruction/instruction.pptx
+++ b/instruction/instruction.pptx
@@ -4821,8 +4821,8 @@
         </p:nvSpPr>
         <p:spPr>
           <a:xfrm>
-            <a:off x="1533773" y="2278886"/>
-            <a:ext cx="6076454" cy="2300228"/>
+            <a:off x="1651142" y="2278886"/>
+            <a:ext cx="5841717" cy="2300228"/>
           </a:xfrm>
         </p:spPr>
         <p:txBody>
@@ -4845,7 +4845,7 @@
                 <a:ea typeface="黑体" panose="02010609060101010101" pitchFamily="49" charset="-122"/>
                 <a:cs typeface="Times New Roman" panose="02020603050405020304" pitchFamily="18" charset="0"/>
               </a:rPr>
-              <a:t>请判断呈每张图片是否在今天的磁共振实验中出现过，并尽快</a:t>
+              <a:t>请判断每张图片是否在今天的磁共振实验中出现过，并尽快</a:t>
             </a:r>
             <a:r>
               <a:rPr lang="zh-CN" altLang="en-US" sz="2800" dirty="0">

--- a/instruction/instruction.pptx
+++ b/instruction/instruction.pptx
@@ -5,19 +5,22 @@
     <p:sldMasterId id="2147483660" r:id="rId1"/>
   </p:sldMasterIdLst>
   <p:notesMasterIdLst>
-    <p:notesMasterId r:id="rId12"/>
+    <p:notesMasterId r:id="rId15"/>
   </p:notesMasterIdLst>
   <p:sldIdLst>
     <p:sldId id="275" r:id="rId2"/>
     <p:sldId id="276" r:id="rId3"/>
     <p:sldId id="268" r:id="rId4"/>
-    <p:sldId id="259" r:id="rId5"/>
-    <p:sldId id="278" r:id="rId6"/>
-    <p:sldId id="269" r:id="rId7"/>
-    <p:sldId id="282" r:id="rId8"/>
-    <p:sldId id="277" r:id="rId9"/>
-    <p:sldId id="274" r:id="rId10"/>
-    <p:sldId id="280" r:id="rId11"/>
+    <p:sldId id="283" r:id="rId5"/>
+    <p:sldId id="284" r:id="rId6"/>
+    <p:sldId id="286" r:id="rId7"/>
+    <p:sldId id="259" r:id="rId8"/>
+    <p:sldId id="278" r:id="rId9"/>
+    <p:sldId id="269" r:id="rId10"/>
+    <p:sldId id="282" r:id="rId11"/>
+    <p:sldId id="277" r:id="rId12"/>
+    <p:sldId id="274" r:id="rId13"/>
+    <p:sldId id="280" r:id="rId14"/>
   </p:sldIdLst>
   <p:sldSz cx="9144000" cy="6858000" type="screen4x3"/>
   <p:notesSz cx="6858000" cy="9144000"/>
@@ -206,7 +209,7 @@
           <a:p>
             <a:fld id="{5E0BD2FF-DB0B-4157-9238-BCF205BF74EE}" type="datetimeFigureOut">
               <a:rPr lang="zh-CN" altLang="en-US" smtClean="0"/>
-              <a:t>2020/12/2</a:t>
+              <a:t>2020/12/3</a:t>
             </a:fld>
             <a:endParaRPr lang="zh-CN" altLang="en-US"/>
           </a:p>
@@ -610,106 +613,6 @@
           <a:bodyPr/>
           <a:lstStyle/>
           <a:p>
-            <a:r>
-              <a:rPr lang="en-US" altLang="zh-CN" dirty="0" smtClean="0"/>
-              <a:t>BIN</a:t>
-            </a:r>
-            <a:r>
-              <a:rPr lang="en-US" altLang="zh-CN" baseline="0" dirty="0" smtClean="0"/>
-              <a:t> test instructions</a:t>
-            </a:r>
-            <a:endParaRPr lang="zh-CN" altLang="en-US" dirty="0"/>
-          </a:p>
-        </p:txBody>
-      </p:sp>
-      <p:sp>
-        <p:nvSpPr>
-          <p:cNvPr id="4" name="灯片编号占位符 3"/>
-          <p:cNvSpPr>
-            <a:spLocks noGrp="1"/>
-          </p:cNvSpPr>
-          <p:nvPr>
-            <p:ph type="sldNum" sz="quarter" idx="10"/>
-          </p:nvPr>
-        </p:nvSpPr>
-        <p:spPr/>
-        <p:txBody>
-          <a:bodyPr/>
-          <a:lstStyle/>
-          <a:p>
-            <a:fld id="{877254A5-7E02-4BE6-9FDC-9A93DDC1686D}" type="slidenum">
-              <a:rPr lang="zh-CN" altLang="en-US" smtClean="0"/>
-              <a:t>6</a:t>
-            </a:fld>
-            <a:endParaRPr lang="zh-CN" altLang="en-US"/>
-          </a:p>
-        </p:txBody>
-      </p:sp>
-    </p:spTree>
-    <p:extLst>
-      <p:ext uri="{BB962C8B-B14F-4D97-AF65-F5344CB8AC3E}">
-        <p14:creationId xmlns:p14="http://schemas.microsoft.com/office/powerpoint/2010/main" val="1120127344"/>
-      </p:ext>
-    </p:extLst>
-  </p:cSld>
-  <p:clrMapOvr>
-    <a:masterClrMapping/>
-  </p:clrMapOvr>
-</p:notes>
-</file>
-
-<file path=ppt/notesSlides/notesSlide3.xml><?xml version="1.0" encoding="utf-8"?>
-<p:notes xmlns:a="http://schemas.openxmlformats.org/drawingml/2006/main" xmlns:r="http://schemas.openxmlformats.org/officeDocument/2006/relationships" xmlns:p="http://schemas.openxmlformats.org/presentationml/2006/main">
-  <p:cSld>
-    <p:spTree>
-      <p:nvGrpSpPr>
-        <p:cNvPr id="1" name=""/>
-        <p:cNvGrpSpPr/>
-        <p:nvPr/>
-      </p:nvGrpSpPr>
-      <p:grpSpPr>
-        <a:xfrm>
-          <a:off x="0" y="0"/>
-          <a:ext cx="0" cy="0"/>
-          <a:chOff x="0" y="0"/>
-          <a:chExt cx="0" cy="0"/>
-        </a:xfrm>
-      </p:grpSpPr>
-      <p:sp>
-        <p:nvSpPr>
-          <p:cNvPr id="2" name="幻灯片图像占位符 1"/>
-          <p:cNvSpPr>
-            <a:spLocks noGrp="1" noRot="1" noChangeAspect="1"/>
-          </p:cNvSpPr>
-          <p:nvPr>
-            <p:ph type="sldImg"/>
-          </p:nvPr>
-        </p:nvSpPr>
-        <p:spPr/>
-      </p:sp>
-      <p:sp>
-        <p:nvSpPr>
-          <p:cNvPr id="3" name="备注占位符 2"/>
-          <p:cNvSpPr>
-            <a:spLocks noGrp="1"/>
-          </p:cNvSpPr>
-          <p:nvPr>
-            <p:ph type="body" idx="1"/>
-          </p:nvPr>
-        </p:nvSpPr>
-        <p:spPr/>
-        <p:txBody>
-          <a:bodyPr/>
-          <a:lstStyle/>
-          <a:p>
-            <a:r>
-              <a:rPr lang="en-US" altLang="zh-CN" dirty="0" smtClean="0"/>
-              <a:t>BIN</a:t>
-            </a:r>
-            <a:r>
-              <a:rPr lang="en-US" altLang="zh-CN" baseline="0" dirty="0" smtClean="0"/>
-              <a:t> train instructions</a:t>
-            </a:r>
             <a:endParaRPr lang="zh-CN" altLang="en-US" dirty="0"/>
           </a:p>
         </p:txBody>
@@ -778,7 +681,251 @@
                 <a:tabLst/>
                 <a:defRPr/>
               </a:pPr>
+              <a:t>4</a:t>
+            </a:fld>
+            <a:endParaRPr kumimoji="0" lang="zh-CN" altLang="en-US" sz="1200" b="0" i="0" u="none" strike="noStrike" kern="1200" cap="none" spc="0" normalizeH="0" baseline="0" noProof="0">
+              <a:ln>
+                <a:noFill/>
+              </a:ln>
+              <a:solidFill>
+                <a:prstClr val="black"/>
+              </a:solidFill>
+              <a:effectLst/>
+              <a:uLnTx/>
+              <a:uFillTx/>
+              <a:latin typeface="等线" panose="020F0502020204030204"/>
+              <a:ea typeface="等线" panose="02010600030101010101" pitchFamily="2" charset="-122"/>
+              <a:cs typeface="+mn-cs"/>
+            </a:endParaRPr>
+          </a:p>
+        </p:txBody>
+      </p:sp>
+    </p:spTree>
+    <p:extLst>
+      <p:ext uri="{BB962C8B-B14F-4D97-AF65-F5344CB8AC3E}">
+        <p14:creationId xmlns:p14="http://schemas.microsoft.com/office/powerpoint/2010/main" val="3699388451"/>
+      </p:ext>
+    </p:extLst>
+  </p:cSld>
+  <p:clrMapOvr>
+    <a:masterClrMapping/>
+  </p:clrMapOvr>
+</p:notes>
+</file>
+
+<file path=ppt/notesSlides/notesSlide3.xml><?xml version="1.0" encoding="utf-8"?>
+<p:notes xmlns:a="http://schemas.openxmlformats.org/drawingml/2006/main" xmlns:r="http://schemas.openxmlformats.org/officeDocument/2006/relationships" xmlns:p="http://schemas.openxmlformats.org/presentationml/2006/main">
+  <p:cSld>
+    <p:spTree>
+      <p:nvGrpSpPr>
+        <p:cNvPr id="1" name=""/>
+        <p:cNvGrpSpPr/>
+        <p:nvPr/>
+      </p:nvGrpSpPr>
+      <p:grpSpPr>
+        <a:xfrm>
+          <a:off x="0" y="0"/>
+          <a:ext cx="0" cy="0"/>
+          <a:chOff x="0" y="0"/>
+          <a:chExt cx="0" cy="0"/>
+        </a:xfrm>
+      </p:grpSpPr>
+      <p:sp>
+        <p:nvSpPr>
+          <p:cNvPr id="2" name="幻灯片图像占位符 1"/>
+          <p:cNvSpPr>
+            <a:spLocks noGrp="1" noRot="1" noChangeAspect="1"/>
+          </p:cNvSpPr>
+          <p:nvPr>
+            <p:ph type="sldImg"/>
+          </p:nvPr>
+        </p:nvSpPr>
+        <p:spPr/>
+      </p:sp>
+      <p:sp>
+        <p:nvSpPr>
+          <p:cNvPr id="3" name="备注占位符 2"/>
+          <p:cNvSpPr>
+            <a:spLocks noGrp="1"/>
+          </p:cNvSpPr>
+          <p:nvPr>
+            <p:ph type="body" idx="1"/>
+          </p:nvPr>
+        </p:nvSpPr>
+        <p:spPr/>
+        <p:txBody>
+          <a:bodyPr/>
+          <a:lstStyle/>
+          <a:p>
+            <a:r>
+              <a:rPr lang="en-US" altLang="zh-CN" dirty="0" smtClean="0"/>
+              <a:t>BIN</a:t>
+            </a:r>
+            <a:r>
+              <a:rPr lang="en-US" altLang="zh-CN" baseline="0" dirty="0" smtClean="0"/>
+              <a:t> test instructions</a:t>
+            </a:r>
+            <a:endParaRPr lang="zh-CN" altLang="en-US" dirty="0"/>
+          </a:p>
+        </p:txBody>
+      </p:sp>
+      <p:sp>
+        <p:nvSpPr>
+          <p:cNvPr id="4" name="灯片编号占位符 3"/>
+          <p:cNvSpPr>
+            <a:spLocks noGrp="1"/>
+          </p:cNvSpPr>
+          <p:nvPr>
+            <p:ph type="sldNum" sz="quarter" idx="10"/>
+          </p:nvPr>
+        </p:nvSpPr>
+        <p:spPr/>
+        <p:txBody>
+          <a:bodyPr/>
+          <a:lstStyle/>
+          <a:p>
+            <a:fld id="{877254A5-7E02-4BE6-9FDC-9A93DDC1686D}" type="slidenum">
+              <a:rPr lang="zh-CN" altLang="en-US" smtClean="0"/>
               <a:t>9</a:t>
+            </a:fld>
+            <a:endParaRPr lang="zh-CN" altLang="en-US"/>
+          </a:p>
+        </p:txBody>
+      </p:sp>
+    </p:spTree>
+    <p:extLst>
+      <p:ext uri="{BB962C8B-B14F-4D97-AF65-F5344CB8AC3E}">
+        <p14:creationId xmlns:p14="http://schemas.microsoft.com/office/powerpoint/2010/main" val="1120127344"/>
+      </p:ext>
+    </p:extLst>
+  </p:cSld>
+  <p:clrMapOvr>
+    <a:masterClrMapping/>
+  </p:clrMapOvr>
+</p:notes>
+</file>
+
+<file path=ppt/notesSlides/notesSlide4.xml><?xml version="1.0" encoding="utf-8"?>
+<p:notes xmlns:a="http://schemas.openxmlformats.org/drawingml/2006/main" xmlns:r="http://schemas.openxmlformats.org/officeDocument/2006/relationships" xmlns:p="http://schemas.openxmlformats.org/presentationml/2006/main">
+  <p:cSld>
+    <p:spTree>
+      <p:nvGrpSpPr>
+        <p:cNvPr id="1" name=""/>
+        <p:cNvGrpSpPr/>
+        <p:nvPr/>
+      </p:nvGrpSpPr>
+      <p:grpSpPr>
+        <a:xfrm>
+          <a:off x="0" y="0"/>
+          <a:ext cx="0" cy="0"/>
+          <a:chOff x="0" y="0"/>
+          <a:chExt cx="0" cy="0"/>
+        </a:xfrm>
+      </p:grpSpPr>
+      <p:sp>
+        <p:nvSpPr>
+          <p:cNvPr id="2" name="幻灯片图像占位符 1"/>
+          <p:cNvSpPr>
+            <a:spLocks noGrp="1" noRot="1" noChangeAspect="1"/>
+          </p:cNvSpPr>
+          <p:nvPr>
+            <p:ph type="sldImg"/>
+          </p:nvPr>
+        </p:nvSpPr>
+        <p:spPr/>
+      </p:sp>
+      <p:sp>
+        <p:nvSpPr>
+          <p:cNvPr id="3" name="备注占位符 2"/>
+          <p:cNvSpPr>
+            <a:spLocks noGrp="1"/>
+          </p:cNvSpPr>
+          <p:nvPr>
+            <p:ph type="body" idx="1"/>
+          </p:nvPr>
+        </p:nvSpPr>
+        <p:spPr/>
+        <p:txBody>
+          <a:bodyPr/>
+          <a:lstStyle/>
+          <a:p>
+            <a:r>
+              <a:rPr lang="en-US" altLang="zh-CN" dirty="0" smtClean="0"/>
+              <a:t>BIN</a:t>
+            </a:r>
+            <a:r>
+              <a:rPr lang="en-US" altLang="zh-CN" baseline="0" dirty="0" smtClean="0"/>
+              <a:t> train instructions</a:t>
+            </a:r>
+            <a:endParaRPr lang="zh-CN" altLang="en-US" dirty="0"/>
+          </a:p>
+        </p:txBody>
+      </p:sp>
+      <p:sp>
+        <p:nvSpPr>
+          <p:cNvPr id="4" name="灯片编号占位符 3"/>
+          <p:cNvSpPr>
+            <a:spLocks noGrp="1"/>
+          </p:cNvSpPr>
+          <p:nvPr>
+            <p:ph type="sldNum" sz="quarter" idx="10"/>
+          </p:nvPr>
+        </p:nvSpPr>
+        <p:spPr/>
+        <p:txBody>
+          <a:bodyPr/>
+          <a:lstStyle/>
+          <a:p>
+            <a:pPr marL="0" marR="0" lvl="0" indent="0" algn="r" defTabSz="457200" rtl="0" eaLnBrk="1" fontAlgn="auto" latinLnBrk="0" hangingPunct="1">
+              <a:lnSpc>
+                <a:spcPct val="100000"/>
+              </a:lnSpc>
+              <a:spcBef>
+                <a:spcPts val="0"/>
+              </a:spcBef>
+              <a:spcAft>
+                <a:spcPts val="0"/>
+              </a:spcAft>
+              <a:buClrTx/>
+              <a:buSzTx/>
+              <a:buFontTx/>
+              <a:buNone/>
+              <a:tabLst/>
+              <a:defRPr/>
+            </a:pPr>
+            <a:fld id="{877254A5-7E02-4BE6-9FDC-9A93DDC1686D}" type="slidenum">
+              <a:rPr kumimoji="0" lang="zh-CN" altLang="en-US" sz="1200" b="0" i="0" u="none" strike="noStrike" kern="1200" cap="none" spc="0" normalizeH="0" baseline="0" noProof="0" smtClean="0">
+                <a:ln>
+                  <a:noFill/>
+                </a:ln>
+                <a:solidFill>
+                  <a:prstClr val="black"/>
+                </a:solidFill>
+                <a:effectLst/>
+                <a:uLnTx/>
+                <a:uFillTx/>
+                <a:latin typeface="等线" panose="020F0502020204030204"/>
+                <a:ea typeface="等线" panose="02010600030101010101" pitchFamily="2" charset="-122"/>
+                <a:cs typeface="+mn-cs"/>
+              </a:rPr>
+              <a:pPr marL="0" marR="0" lvl="0" indent="0" algn="r" defTabSz="457200" rtl="0" eaLnBrk="1" fontAlgn="auto" latinLnBrk="0" hangingPunct="1">
+                <a:lnSpc>
+                  <a:spcPct val="100000"/>
+                </a:lnSpc>
+                <a:spcBef>
+                  <a:spcPts val="0"/>
+                </a:spcBef>
+                <a:spcAft>
+                  <a:spcPts val="0"/>
+                </a:spcAft>
+                <a:buClrTx/>
+                <a:buSzTx/>
+                <a:buFontTx/>
+                <a:buNone/>
+                <a:tabLst/>
+                <a:defRPr/>
+              </a:pPr>
+              <a:t>12</a:t>
             </a:fld>
             <a:endParaRPr kumimoji="0" lang="zh-CN" altLang="en-US" sz="1200" b="0" i="0" u="none" strike="noStrike" kern="1200" cap="none" spc="0" normalizeH="0" baseline="0" noProof="0">
               <a:ln>
@@ -941,7 +1088,7 @@
           <a:p>
             <a:fld id="{C56612D5-36F0-430E-8993-22E7E4C9B704}" type="datetimeFigureOut">
               <a:rPr lang="zh-CN" altLang="en-US" smtClean="0"/>
-              <a:t>2020/12/2</a:t>
+              <a:t>2020/12/3</a:t>
             </a:fld>
             <a:endParaRPr lang="zh-CN" altLang="en-US"/>
           </a:p>
@@ -1111,7 +1258,7 @@
           <a:p>
             <a:fld id="{C56612D5-36F0-430E-8993-22E7E4C9B704}" type="datetimeFigureOut">
               <a:rPr lang="zh-CN" altLang="en-US" smtClean="0"/>
-              <a:t>2020/12/2</a:t>
+              <a:t>2020/12/3</a:t>
             </a:fld>
             <a:endParaRPr lang="zh-CN" altLang="en-US"/>
           </a:p>
@@ -1291,7 +1438,7 @@
           <a:p>
             <a:fld id="{C56612D5-36F0-430E-8993-22E7E4C9B704}" type="datetimeFigureOut">
               <a:rPr lang="zh-CN" altLang="en-US" smtClean="0"/>
-              <a:t>2020/12/2</a:t>
+              <a:t>2020/12/3</a:t>
             </a:fld>
             <a:endParaRPr lang="zh-CN" altLang="en-US"/>
           </a:p>
@@ -1461,7 +1608,7 @@
           <a:p>
             <a:fld id="{C56612D5-36F0-430E-8993-22E7E4C9B704}" type="datetimeFigureOut">
               <a:rPr lang="zh-CN" altLang="en-US" smtClean="0"/>
-              <a:t>2020/12/2</a:t>
+              <a:t>2020/12/3</a:t>
             </a:fld>
             <a:endParaRPr lang="zh-CN" altLang="en-US"/>
           </a:p>
@@ -1705,7 +1852,7 @@
           <a:p>
             <a:fld id="{C56612D5-36F0-430E-8993-22E7E4C9B704}" type="datetimeFigureOut">
               <a:rPr lang="zh-CN" altLang="en-US" smtClean="0"/>
-              <a:t>2020/12/2</a:t>
+              <a:t>2020/12/3</a:t>
             </a:fld>
             <a:endParaRPr lang="zh-CN" altLang="en-US"/>
           </a:p>
@@ -1937,7 +2084,7 @@
           <a:p>
             <a:fld id="{C56612D5-36F0-430E-8993-22E7E4C9B704}" type="datetimeFigureOut">
               <a:rPr lang="zh-CN" altLang="en-US" smtClean="0"/>
-              <a:t>2020/12/2</a:t>
+              <a:t>2020/12/3</a:t>
             </a:fld>
             <a:endParaRPr lang="zh-CN" altLang="en-US"/>
           </a:p>
@@ -2304,7 +2451,7 @@
           <a:p>
             <a:fld id="{C56612D5-36F0-430E-8993-22E7E4C9B704}" type="datetimeFigureOut">
               <a:rPr lang="zh-CN" altLang="en-US" smtClean="0"/>
-              <a:t>2020/12/2</a:t>
+              <a:t>2020/12/3</a:t>
             </a:fld>
             <a:endParaRPr lang="zh-CN" altLang="en-US"/>
           </a:p>
@@ -2422,7 +2569,7 @@
           <a:p>
             <a:fld id="{C56612D5-36F0-430E-8993-22E7E4C9B704}" type="datetimeFigureOut">
               <a:rPr lang="zh-CN" altLang="en-US" smtClean="0"/>
-              <a:t>2020/12/2</a:t>
+              <a:t>2020/12/3</a:t>
             </a:fld>
             <a:endParaRPr lang="zh-CN" altLang="en-US"/>
           </a:p>
@@ -2517,7 +2664,7 @@
           <a:p>
             <a:fld id="{C56612D5-36F0-430E-8993-22E7E4C9B704}" type="datetimeFigureOut">
               <a:rPr lang="zh-CN" altLang="en-US" smtClean="0"/>
-              <a:t>2020/12/2</a:t>
+              <a:t>2020/12/3</a:t>
             </a:fld>
             <a:endParaRPr lang="zh-CN" altLang="en-US"/>
           </a:p>
@@ -2794,7 +2941,7 @@
           <a:p>
             <a:fld id="{C56612D5-36F0-430E-8993-22E7E4C9B704}" type="datetimeFigureOut">
               <a:rPr lang="zh-CN" altLang="en-US" smtClean="0"/>
-              <a:t>2020/12/2</a:t>
+              <a:t>2020/12/3</a:t>
             </a:fld>
             <a:endParaRPr lang="zh-CN" altLang="en-US"/>
           </a:p>
@@ -3051,7 +3198,7 @@
           <a:p>
             <a:fld id="{C56612D5-36F0-430E-8993-22E7E4C9B704}" type="datetimeFigureOut">
               <a:rPr lang="zh-CN" altLang="en-US" smtClean="0"/>
-              <a:t>2020/12/2</a:t>
+              <a:t>2020/12/3</a:t>
             </a:fld>
             <a:endParaRPr lang="zh-CN" altLang="en-US"/>
           </a:p>
@@ -3264,7 +3411,7 @@
           <a:p>
             <a:fld id="{C56612D5-36F0-430E-8993-22E7E4C9B704}" type="datetimeFigureOut">
               <a:rPr lang="zh-CN" altLang="en-US" smtClean="0"/>
-              <a:t>2020/12/2</a:t>
+              <a:t>2020/12/3</a:t>
             </a:fld>
             <a:endParaRPr lang="zh-CN" altLang="en-US"/>
           </a:p>
@@ -3866,6 +4013,389 @@
     </p:spTree>
     <p:extLst>
       <p:ext uri="{BB962C8B-B14F-4D97-AF65-F5344CB8AC3E}">
+        <p14:creationId xmlns:p14="http://schemas.microsoft.com/office/powerpoint/2010/main" val="155193632"/>
+      </p:ext>
+    </p:extLst>
+  </p:cSld>
+  <p:clrMapOvr>
+    <a:masterClrMapping/>
+  </p:clrMapOvr>
+</p:sld>
+</file>
+
+<file path=ppt/slides/slide11.xml><?xml version="1.0" encoding="utf-8"?>
+<p:sld xmlns:a="http://schemas.openxmlformats.org/drawingml/2006/main" xmlns:r="http://schemas.openxmlformats.org/officeDocument/2006/relationships" xmlns:p="http://schemas.openxmlformats.org/presentationml/2006/main">
+  <p:cSld>
+    <p:spTree>
+      <p:nvGrpSpPr>
+        <p:cNvPr id="1" name=""/>
+        <p:cNvGrpSpPr/>
+        <p:nvPr/>
+      </p:nvGrpSpPr>
+      <p:grpSpPr>
+        <a:xfrm>
+          <a:off x="0" y="0"/>
+          <a:ext cx="0" cy="0"/>
+          <a:chOff x="0" y="0"/>
+          <a:chExt cx="0" cy="0"/>
+        </a:xfrm>
+      </p:grpSpPr>
+      <p:sp>
+        <p:nvSpPr>
+          <p:cNvPr id="2" name="标题 1"/>
+          <p:cNvSpPr>
+            <a:spLocks noGrp="1"/>
+          </p:cNvSpPr>
+          <p:nvPr>
+            <p:ph type="title"/>
+          </p:nvPr>
+        </p:nvSpPr>
+        <p:spPr>
+          <a:xfrm>
+            <a:off x="628650" y="2766219"/>
+            <a:ext cx="7886700" cy="1325563"/>
+          </a:xfrm>
+        </p:spPr>
+        <p:txBody>
+          <a:bodyPr/>
+          <a:lstStyle/>
+          <a:p>
+            <a:pPr algn="ctr"/>
+            <a:r>
+              <a:rPr lang="en-US" altLang="zh-CN" dirty="0" smtClean="0">
+                <a:latin typeface="Times New Roman" panose="02020603050405020304" pitchFamily="18" charset="0"/>
+                <a:cs typeface="Times New Roman" panose="02020603050405020304" pitchFamily="18" charset="0"/>
+              </a:rPr>
+              <a:t>Behavior</a:t>
+            </a:r>
+            <a:endParaRPr lang="zh-CN" altLang="en-US" dirty="0">
+              <a:latin typeface="Times New Roman" panose="02020603050405020304" pitchFamily="18" charset="0"/>
+              <a:cs typeface="Times New Roman" panose="02020603050405020304" pitchFamily="18" charset="0"/>
+            </a:endParaRPr>
+          </a:p>
+        </p:txBody>
+      </p:sp>
+    </p:spTree>
+    <p:extLst>
+      <p:ext uri="{BB962C8B-B14F-4D97-AF65-F5344CB8AC3E}">
+        <p14:creationId xmlns:p14="http://schemas.microsoft.com/office/powerpoint/2010/main" val="2884176794"/>
+      </p:ext>
+    </p:extLst>
+  </p:cSld>
+  <p:clrMapOvr>
+    <a:masterClrMapping/>
+  </p:clrMapOvr>
+</p:sld>
+</file>
+
+<file path=ppt/slides/slide12.xml><?xml version="1.0" encoding="utf-8"?>
+<p:sld xmlns:a="http://schemas.openxmlformats.org/drawingml/2006/main" xmlns:r="http://schemas.openxmlformats.org/officeDocument/2006/relationships" xmlns:p="http://schemas.openxmlformats.org/presentationml/2006/main">
+  <p:cSld>
+    <p:bg>
+      <p:bgPr>
+        <a:solidFill>
+          <a:srgbClr val="7C7468"/>
+        </a:solidFill>
+        <a:effectLst/>
+      </p:bgPr>
+    </p:bg>
+    <p:spTree>
+      <p:nvGrpSpPr>
+        <p:cNvPr id="1" name=""/>
+        <p:cNvGrpSpPr/>
+        <p:nvPr/>
+      </p:nvGrpSpPr>
+      <p:grpSpPr>
+        <a:xfrm>
+          <a:off x="0" y="0"/>
+          <a:ext cx="0" cy="0"/>
+          <a:chOff x="0" y="0"/>
+          <a:chExt cx="0" cy="0"/>
+        </a:xfrm>
+      </p:grpSpPr>
+      <p:sp>
+        <p:nvSpPr>
+          <p:cNvPr id="3" name="副标题 2">
+            <a:extLst>
+              <a:ext uri="{FF2B5EF4-FFF2-40B4-BE49-F238E27FC236}">
+                <a16:creationId xmlns:a16="http://schemas.microsoft.com/office/drawing/2014/main" id="{B0A449E8-B1BB-440E-8CB2-BC01D38DC01D}"/>
+              </a:ext>
+            </a:extLst>
+          </p:cNvPr>
+          <p:cNvSpPr>
+            <a:spLocks noGrp="1"/>
+          </p:cNvSpPr>
+          <p:nvPr>
+            <p:ph type="subTitle" idx="1"/>
+          </p:nvPr>
+        </p:nvSpPr>
+        <p:spPr>
+          <a:xfrm>
+            <a:off x="1651142" y="2278886"/>
+            <a:ext cx="5841717" cy="2300228"/>
+          </a:xfrm>
+        </p:spPr>
+        <p:txBody>
+          <a:bodyPr>
+            <a:noAutofit/>
+          </a:bodyPr>
+          <a:lstStyle/>
+          <a:p>
+            <a:pPr>
+              <a:lnSpc>
+                <a:spcPct val="120000"/>
+              </a:lnSpc>
+            </a:pPr>
+            <a:r>
+              <a:rPr lang="zh-CN" altLang="en-US" sz="2800" dirty="0" smtClean="0">
+                <a:solidFill>
+                  <a:schemeClr val="bg1"/>
+                </a:solidFill>
+                <a:latin typeface="黑体" panose="02010609060101010101" pitchFamily="49" charset="-122"/>
+                <a:ea typeface="黑体" panose="02010609060101010101" pitchFamily="49" charset="-122"/>
+                <a:cs typeface="Times New Roman" panose="02020603050405020304" pitchFamily="18" charset="0"/>
+              </a:rPr>
+              <a:t>请判断每张图片是否在今天的磁共振实验中出现过，并尽快</a:t>
+            </a:r>
+            <a:r>
+              <a:rPr lang="zh-CN" altLang="en-US" sz="2800" dirty="0">
+                <a:solidFill>
+                  <a:schemeClr val="bg1"/>
+                </a:solidFill>
+                <a:latin typeface="黑体" panose="02010609060101010101" pitchFamily="49" charset="-122"/>
+                <a:ea typeface="黑体" panose="02010609060101010101" pitchFamily="49" charset="-122"/>
+                <a:cs typeface="Times New Roman" panose="02020603050405020304" pitchFamily="18" charset="0"/>
+              </a:rPr>
+              <a:t>按键反应</a:t>
+            </a:r>
+            <a:r>
+              <a:rPr lang="zh-CN" altLang="en-US" sz="2800" dirty="0" smtClean="0">
+                <a:solidFill>
+                  <a:schemeClr val="bg1"/>
+                </a:solidFill>
+                <a:latin typeface="黑体" panose="02010609060101010101" pitchFamily="49" charset="-122"/>
+                <a:ea typeface="黑体" panose="02010609060101010101" pitchFamily="49" charset="-122"/>
+                <a:cs typeface="Times New Roman" panose="02020603050405020304" pitchFamily="18" charset="0"/>
+              </a:rPr>
+              <a:t>。出现过按左键，未出现过按</a:t>
+            </a:r>
+            <a:r>
+              <a:rPr lang="zh-CN" altLang="en-US" sz="2800" dirty="0">
+                <a:solidFill>
+                  <a:schemeClr val="bg1"/>
+                </a:solidFill>
+                <a:latin typeface="黑体" panose="02010609060101010101" pitchFamily="49" charset="-122"/>
+                <a:ea typeface="黑体" panose="02010609060101010101" pitchFamily="49" charset="-122"/>
+                <a:cs typeface="Times New Roman" panose="02020603050405020304" pitchFamily="18" charset="0"/>
+              </a:rPr>
+              <a:t>右键</a:t>
+            </a:r>
+            <a:r>
+              <a:rPr lang="zh-CN" altLang="en-US" sz="2800" dirty="0" smtClean="0">
+                <a:solidFill>
+                  <a:schemeClr val="bg1"/>
+                </a:solidFill>
+                <a:latin typeface="黑体" panose="02010609060101010101" pitchFamily="49" charset="-122"/>
+                <a:ea typeface="黑体" panose="02010609060101010101" pitchFamily="49" charset="-122"/>
+                <a:cs typeface="Times New Roman" panose="02020603050405020304" pitchFamily="18" charset="0"/>
+              </a:rPr>
+              <a:t>。</a:t>
+            </a:r>
+            <a:endParaRPr lang="en-US" altLang="zh-CN" sz="2800" dirty="0" smtClean="0">
+              <a:solidFill>
+                <a:schemeClr val="bg1"/>
+              </a:solidFill>
+              <a:latin typeface="黑体" panose="02010609060101010101" pitchFamily="49" charset="-122"/>
+              <a:ea typeface="黑体" panose="02010609060101010101" pitchFamily="49" charset="-122"/>
+              <a:cs typeface="Times New Roman" panose="02020603050405020304" pitchFamily="18" charset="0"/>
+            </a:endParaRPr>
+          </a:p>
+          <a:p>
+            <a:pPr>
+              <a:lnSpc>
+                <a:spcPct val="120000"/>
+              </a:lnSpc>
+            </a:pPr>
+            <a:r>
+              <a:rPr lang="zh-CN" altLang="en-US" sz="2800" dirty="0" smtClean="0">
+                <a:solidFill>
+                  <a:schemeClr val="bg1"/>
+                </a:solidFill>
+                <a:latin typeface="黑体" panose="02010609060101010101" pitchFamily="49" charset="-122"/>
+                <a:ea typeface="黑体" panose="02010609060101010101" pitchFamily="49" charset="-122"/>
+              </a:rPr>
+              <a:t>准备好后按</a:t>
+            </a:r>
+            <a:r>
+              <a:rPr lang="zh-CN" altLang="en-US" sz="2800" dirty="0">
+                <a:solidFill>
+                  <a:schemeClr val="bg1"/>
+                </a:solidFill>
+                <a:latin typeface="黑体" panose="02010609060101010101" pitchFamily="49" charset="-122"/>
+                <a:ea typeface="黑体" panose="02010609060101010101" pitchFamily="49" charset="-122"/>
+              </a:rPr>
+              <a:t>左键开始实验</a:t>
+            </a:r>
+            <a:r>
+              <a:rPr lang="zh-CN" altLang="en-US" sz="2800" dirty="0" smtClean="0">
+                <a:solidFill>
+                  <a:schemeClr val="bg1"/>
+                </a:solidFill>
+                <a:latin typeface="黑体" panose="02010609060101010101" pitchFamily="49" charset="-122"/>
+                <a:ea typeface="黑体" panose="02010609060101010101" pitchFamily="49" charset="-122"/>
+              </a:rPr>
+              <a:t>。</a:t>
+            </a:r>
+            <a:endParaRPr lang="en-US" altLang="zh-CN" sz="2800" b="1" dirty="0">
+              <a:solidFill>
+                <a:schemeClr val="bg1"/>
+              </a:solidFill>
+              <a:latin typeface="黑体" panose="02010609060101010101" pitchFamily="49" charset="-122"/>
+              <a:ea typeface="黑体" panose="02010609060101010101" pitchFamily="49" charset="-122"/>
+              <a:cs typeface="Times New Roman" panose="02020603050405020304" pitchFamily="18" charset="0"/>
+            </a:endParaRPr>
+          </a:p>
+        </p:txBody>
+      </p:sp>
+    </p:spTree>
+    <p:extLst>
+      <p:ext uri="{BB962C8B-B14F-4D97-AF65-F5344CB8AC3E}">
+        <p14:creationId xmlns:p14="http://schemas.microsoft.com/office/powerpoint/2010/main" val="3439886049"/>
+      </p:ext>
+    </p:extLst>
+  </p:cSld>
+  <p:clrMapOvr>
+    <a:masterClrMapping/>
+  </p:clrMapOvr>
+</p:sld>
+</file>
+
+<file path=ppt/slides/slide13.xml><?xml version="1.0" encoding="utf-8"?>
+<p:sld xmlns:a="http://schemas.openxmlformats.org/drawingml/2006/main" xmlns:r="http://schemas.openxmlformats.org/officeDocument/2006/relationships" xmlns:p="http://schemas.openxmlformats.org/presentationml/2006/main">
+  <p:cSld>
+    <p:bg>
+      <p:bgPr>
+        <a:solidFill>
+          <a:srgbClr val="7C7468"/>
+        </a:solidFill>
+        <a:effectLst/>
+      </p:bgPr>
+    </p:bg>
+    <p:spTree>
+      <p:nvGrpSpPr>
+        <p:cNvPr id="1" name=""/>
+        <p:cNvGrpSpPr/>
+        <p:nvPr/>
+      </p:nvGrpSpPr>
+      <p:grpSpPr>
+        <a:xfrm>
+          <a:off x="0" y="0"/>
+          <a:ext cx="0" cy="0"/>
+          <a:chOff x="0" y="0"/>
+          <a:chExt cx="0" cy="0"/>
+        </a:xfrm>
+      </p:grpSpPr>
+      <p:sp>
+        <p:nvSpPr>
+          <p:cNvPr id="5" name="标题 1">
+            <a:extLst>
+              <a:ext uri="{FF2B5EF4-FFF2-40B4-BE49-F238E27FC236}">
+                <a16:creationId xmlns:a16="http://schemas.microsoft.com/office/drawing/2014/main" id="{9E7F9276-CB36-4D03-8899-4441C9E51EC0}"/>
+              </a:ext>
+            </a:extLst>
+          </p:cNvPr>
+          <p:cNvSpPr txBox="1">
+            <a:spLocks/>
+          </p:cNvSpPr>
+          <p:nvPr/>
+        </p:nvSpPr>
+        <p:spPr>
+          <a:xfrm>
+            <a:off x="886353" y="3062696"/>
+            <a:ext cx="7371295" cy="732608"/>
+          </a:xfrm>
+          <a:prstGeom prst="rect">
+            <a:avLst/>
+          </a:prstGeom>
+        </p:spPr>
+        <p:txBody>
+          <a:bodyPr vert="horz" lIns="68580" tIns="34290" rIns="68580" bIns="34290" rtlCol="0" anchor="b">
+            <a:noAutofit/>
+          </a:bodyPr>
+          <a:lstStyle>
+            <a:lvl1pPr algn="ctr" defTabSz="914400" rtl="0" eaLnBrk="1" latinLnBrk="0" hangingPunct="1">
+              <a:lnSpc>
+                <a:spcPct val="90000"/>
+              </a:lnSpc>
+              <a:spcBef>
+                <a:spcPct val="0"/>
+              </a:spcBef>
+              <a:buNone/>
+              <a:defRPr sz="6000" kern="1200">
+                <a:solidFill>
+                  <a:schemeClr val="tx1"/>
+                </a:solidFill>
+                <a:latin typeface="+mj-lt"/>
+                <a:ea typeface="+mj-ea"/>
+                <a:cs typeface="+mj-cs"/>
+              </a:defRPr>
+            </a:lvl1pPr>
+          </a:lstStyle>
+          <a:p>
+            <a:pPr marL="0" marR="0" lvl="0" indent="0" algn="ctr" defTabSz="914400" rtl="0" eaLnBrk="1" fontAlgn="auto" latinLnBrk="0" hangingPunct="1">
+              <a:lnSpc>
+                <a:spcPct val="90000"/>
+              </a:lnSpc>
+              <a:spcBef>
+                <a:spcPct val="0"/>
+              </a:spcBef>
+              <a:spcAft>
+                <a:spcPts val="0"/>
+              </a:spcAft>
+              <a:buClrTx/>
+              <a:buSzTx/>
+              <a:buFontTx/>
+              <a:buNone/>
+              <a:tabLst/>
+              <a:defRPr/>
+            </a:pPr>
+            <a:r>
+              <a:rPr kumimoji="0" lang="zh-CN" altLang="en-US" sz="4000" b="0" i="0" u="none" strike="noStrike" kern="1200" cap="none" spc="0" normalizeH="0" baseline="0" noProof="0" dirty="0" smtClean="0">
+                <a:ln>
+                  <a:noFill/>
+                </a:ln>
+                <a:solidFill>
+                  <a:prstClr val="white"/>
+                </a:solidFill>
+                <a:effectLst/>
+                <a:uLnTx/>
+                <a:uFillTx/>
+                <a:latin typeface="黑体" panose="02010609060101010101" pitchFamily="49" charset="-122"/>
+                <a:ea typeface="黑体" panose="02010609060101010101" pitchFamily="49" charset="-122"/>
+                <a:cs typeface="Times New Roman" panose="02020603050405020304" pitchFamily="18" charset="0"/>
+              </a:rPr>
+              <a:t>请稍事休息，后续实验马上开始。</a:t>
+            </a:r>
+            <a:endParaRPr kumimoji="0" lang="zh-CN" altLang="en-US" sz="4000" b="0" i="0" u="none" strike="noStrike" kern="1200" cap="none" spc="0" normalizeH="0" baseline="0" noProof="0" dirty="0">
+              <a:ln>
+                <a:noFill/>
+              </a:ln>
+              <a:solidFill>
+                <a:prstClr val="white"/>
+              </a:solidFill>
+              <a:effectLst/>
+              <a:uLnTx/>
+              <a:uFillTx/>
+              <a:latin typeface="黑体" panose="02010609060101010101" pitchFamily="49" charset="-122"/>
+              <a:ea typeface="黑体" panose="02010609060101010101" pitchFamily="49" charset="-122"/>
+              <a:cs typeface="+mj-cs"/>
+            </a:endParaRPr>
+          </a:p>
+        </p:txBody>
+      </p:sp>
+    </p:spTree>
+    <p:extLst>
+      <p:ext uri="{BB962C8B-B14F-4D97-AF65-F5344CB8AC3E}">
         <p14:creationId xmlns:p14="http://schemas.microsoft.com/office/powerpoint/2010/main" val="1228723664"/>
       </p:ext>
     </p:extLst>
@@ -4052,18 +4582,7 @@
                 <a:ea typeface="黑体" panose="02010609060101010101" pitchFamily="49" charset="-122"/>
                 <a:cs typeface="Times New Roman" panose="02020603050405020304" pitchFamily="18" charset="0"/>
               </a:rPr>
-              <a:t>判断</a:t>
-            </a:r>
-            <a:r>
-              <a:rPr lang="zh-CN" altLang="en-US" sz="2800" dirty="0" smtClean="0">
-                <a:solidFill>
-                  <a:schemeClr val="bg1"/>
-                </a:solidFill>
-                <a:latin typeface="黑体" panose="02010609060101010101" pitchFamily="49" charset="-122"/>
-                <a:ea typeface="黑体" panose="02010609060101010101" pitchFamily="49" charset="-122"/>
-                <a:cs typeface="Times New Roman" panose="02020603050405020304" pitchFamily="18" charset="0"/>
-              </a:rPr>
-              <a:t>图片</a:t>
+              <a:t>判断图片</a:t>
             </a:r>
             <a:r>
               <a:rPr lang="zh-CN" altLang="en-US" sz="2800" dirty="0">
@@ -4251,81 +4770,104 @@
           <a:chExt cx="0" cy="0"/>
         </a:xfrm>
       </p:grpSpPr>
-      <p:sp>
-        <p:nvSpPr>
-          <p:cNvPr id="5" name="标题 1">
-            <a:extLst>
-              <a:ext uri="{FF2B5EF4-FFF2-40B4-BE49-F238E27FC236}">
-                <a16:creationId xmlns:a16="http://schemas.microsoft.com/office/drawing/2014/main" id="{9E7F9276-CB36-4D03-8899-4441C9E51EC0}"/>
-              </a:ext>
-            </a:extLst>
-          </p:cNvPr>
-          <p:cNvSpPr txBox="1">
-            <a:spLocks/>
-          </p:cNvSpPr>
+      <p:pic>
+        <p:nvPicPr>
+          <p:cNvPr id="2" name="图片 1"/>
+          <p:cNvPicPr>
+            <a:picLocks noChangeAspect="1"/>
+          </p:cNvPicPr>
           <p:nvPr/>
-        </p:nvSpPr>
+        </p:nvPicPr>
+        <p:blipFill rotWithShape="1">
+          <a:blip r:embed="rId3"/>
+          <a:srcRect l="21868"/>
+          <a:stretch/>
+        </p:blipFill>
         <p:spPr>
           <a:xfrm>
-            <a:off x="886353" y="3062696"/>
-            <a:ext cx="7371295" cy="732608"/>
+            <a:off x="2283566" y="1600200"/>
+            <a:ext cx="4576868" cy="3657600"/>
           </a:xfrm>
           <a:prstGeom prst="rect">
             <a:avLst/>
           </a:prstGeom>
         </p:spPr>
-        <p:txBody>
-          <a:bodyPr vert="horz" lIns="68580" tIns="34290" rIns="68580" bIns="34290" rtlCol="0" anchor="b">
-            <a:noAutofit/>
-          </a:bodyPr>
-          <a:lstStyle>
-            <a:lvl1pPr algn="ctr" defTabSz="914400" rtl="0" eaLnBrk="1" latinLnBrk="0" hangingPunct="1">
+      </p:pic>
+      <p:sp>
+        <p:nvSpPr>
+          <p:cNvPr id="3" name="椭圆 2"/>
+          <p:cNvSpPr>
+            <a:spLocks noChangeAspect="1"/>
+          </p:cNvSpPr>
+          <p:nvPr/>
+        </p:nvSpPr>
+        <p:spPr>
+          <a:xfrm>
+            <a:off x="4482000" y="3339000"/>
+            <a:ext cx="108000" cy="108000"/>
+          </a:xfrm>
+          <a:prstGeom prst="ellipse">
+            <a:avLst/>
+          </a:prstGeom>
+          <a:solidFill>
+            <a:schemeClr val="bg1"/>
+          </a:solidFill>
+          <a:ln>
+            <a:solidFill>
+              <a:schemeClr val="bg1"/>
+            </a:solidFill>
+          </a:ln>
+        </p:spPr>
+        <p:style>
+          <a:lnRef idx="2">
+            <a:schemeClr val="accent1">
+              <a:shade val="50000"/>
+            </a:schemeClr>
+          </a:lnRef>
+          <a:fillRef idx="1">
+            <a:schemeClr val="accent1"/>
+          </a:fillRef>
+          <a:effectRef idx="0">
+            <a:schemeClr val="accent1"/>
+          </a:effectRef>
+          <a:fontRef idx="minor">
+            <a:schemeClr val="lt1"/>
+          </a:fontRef>
+        </p:style>
+        <p:txBody>
+          <a:bodyPr rtlCol="0" anchor="ctr"/>
+          <a:lstStyle/>
+          <a:p>
+            <a:pPr marL="0" marR="0" lvl="0" indent="0" algn="ctr" defTabSz="457200" rtl="0" eaLnBrk="1" fontAlgn="auto" latinLnBrk="0" hangingPunct="1">
               <a:lnSpc>
-                <a:spcPct val="90000"/>
+                <a:spcPct val="100000"/>
               </a:lnSpc>
               <a:spcBef>
-                <a:spcPct val="0"/>
+                <a:spcPts val="0"/>
               </a:spcBef>
-              <a:buNone/>
-              <a:defRPr sz="6000" kern="1200">
-                <a:solidFill>
-                  <a:schemeClr val="tx1"/>
-                </a:solidFill>
-                <a:latin typeface="+mj-lt"/>
-                <a:ea typeface="+mj-ea"/>
-                <a:cs typeface="+mj-cs"/>
-              </a:defRPr>
-            </a:lvl1pPr>
-          </a:lstStyle>
-          <a:p>
-            <a:r>
-              <a:rPr lang="zh-CN" altLang="en-US" sz="4000" dirty="0" smtClean="0">
-                <a:solidFill>
-                  <a:schemeClr val="bg1"/>
-                </a:solidFill>
-                <a:latin typeface="黑体" panose="02010609060101010101" pitchFamily="49" charset="-122"/>
-                <a:ea typeface="黑体" panose="02010609060101010101" pitchFamily="49" charset="-122"/>
-                <a:cs typeface="Times New Roman" panose="02020603050405020304" pitchFamily="18" charset="0"/>
-              </a:rPr>
-              <a:t>请稍事休息，</a:t>
-            </a:r>
-            <a:r>
-              <a:rPr lang="zh-CN" altLang="en-US" sz="4000" dirty="0" smtClean="0">
-                <a:solidFill>
-                  <a:schemeClr val="bg1"/>
-                </a:solidFill>
-                <a:latin typeface="黑体" panose="02010609060101010101" pitchFamily="49" charset="-122"/>
-                <a:ea typeface="黑体" panose="02010609060101010101" pitchFamily="49" charset="-122"/>
-                <a:cs typeface="Times New Roman" panose="02020603050405020304" pitchFamily="18" charset="0"/>
-              </a:rPr>
-              <a:t>后续实验马上开始。</a:t>
-            </a:r>
-            <a:endParaRPr lang="zh-CN" altLang="en-US" sz="4000" dirty="0">
+              <a:spcAft>
+                <a:spcPts val="0"/>
+              </a:spcAft>
+              <a:buClrTx/>
+              <a:buSzTx/>
+              <a:buFontTx/>
+              <a:buNone/>
+              <a:tabLst/>
+              <a:defRPr/>
+            </a:pPr>
+            <a:endParaRPr kumimoji="0" lang="zh-CN" altLang="en-US" sz="1800" b="0" i="0" u="none" strike="noStrike" kern="1200" cap="none" spc="0" normalizeH="0" baseline="0" noProof="0">
+              <a:ln>
+                <a:noFill/>
+              </a:ln>
               <a:solidFill>
-                <a:schemeClr val="bg1"/>
+                <a:prstClr val="white"/>
               </a:solidFill>
-              <a:latin typeface="黑体" panose="02010609060101010101" pitchFamily="49" charset="-122"/>
-              <a:ea typeface="黑体" panose="02010609060101010101" pitchFamily="49" charset="-122"/>
+              <a:effectLst/>
+              <a:uLnTx/>
+              <a:uFillTx/>
+              <a:latin typeface="Calibri" panose="020F0502020204030204"/>
+              <a:ea typeface="等线" panose="02010600030101010101" pitchFamily="2" charset="-122"/>
+              <a:cs typeface="+mn-cs"/>
             </a:endParaRPr>
           </a:p>
         </p:txBody>
@@ -4333,19 +4875,34 @@
     </p:spTree>
     <p:extLst>
       <p:ext uri="{BB962C8B-B14F-4D97-AF65-F5344CB8AC3E}">
-        <p14:creationId xmlns:p14="http://schemas.microsoft.com/office/powerpoint/2010/main" val="3095078492"/>
+        <p14:creationId xmlns:p14="http://schemas.microsoft.com/office/powerpoint/2010/main" val="1903876827"/>
       </p:ext>
     </p:extLst>
   </p:cSld>
   <p:clrMapOvr>
     <a:masterClrMapping/>
   </p:clrMapOvr>
+  <p:timing>
+    <p:tnLst>
+      <p:par>
+        <p:cTn id="1" dur="indefinite" restart="never" nodeType="tmRoot"/>
+      </p:par>
+    </p:tnLst>
+  </p:timing>
 </p:sld>
 </file>
 
 <file path=ppt/slides/slide5.xml><?xml version="1.0" encoding="utf-8"?>
 <p:sld xmlns:a="http://schemas.openxmlformats.org/drawingml/2006/main" xmlns:r="http://schemas.openxmlformats.org/officeDocument/2006/relationships" xmlns:p="http://schemas.openxmlformats.org/presentationml/2006/main">
   <p:cSld>
+    <p:bg>
+      <p:bgPr>
+        <a:solidFill>
+          <a:srgbClr val="7C7468"/>
+        </a:solidFill>
+        <a:effectLst/>
+      </p:bgPr>
+    </p:bg>
     <p:spTree>
       <p:nvGrpSpPr>
         <p:cNvPr id="1" name=""/>
@@ -4362,49 +4919,79 @@
       </p:grpSpPr>
       <p:sp>
         <p:nvSpPr>
-          <p:cNvPr id="2" name="标题 1"/>
-          <p:cNvSpPr>
-            <a:spLocks noGrp="1"/>
-          </p:cNvSpPr>
-          <p:nvPr>
-            <p:ph type="title"/>
-          </p:nvPr>
+          <p:cNvPr id="3" name="椭圆 2"/>
+          <p:cNvSpPr>
+            <a:spLocks noChangeAspect="1"/>
+          </p:cNvSpPr>
+          <p:nvPr/>
         </p:nvSpPr>
         <p:spPr>
           <a:xfrm>
-            <a:off x="628650" y="2766219"/>
-            <a:ext cx="7886700" cy="1325563"/>
+            <a:off x="4482000" y="3339000"/>
+            <a:ext cx="108000" cy="108000"/>
           </a:xfrm>
+          <a:prstGeom prst="ellipse">
+            <a:avLst/>
+          </a:prstGeom>
+          <a:solidFill>
+            <a:schemeClr val="bg1"/>
+          </a:solidFill>
+          <a:ln>
+            <a:solidFill>
+              <a:schemeClr val="bg1"/>
+            </a:solidFill>
+          </a:ln>
         </p:spPr>
-        <p:txBody>
-          <a:bodyPr/>
-          <a:lstStyle/>
-          <a:p>
-            <a:pPr algn="ctr"/>
-            <a:r>
-              <a:rPr lang="en-US" altLang="zh-CN" dirty="0" smtClean="0">
-                <a:latin typeface="Times New Roman" panose="02020603050405020304" pitchFamily="18" charset="0"/>
-                <a:cs typeface="Times New Roman" panose="02020603050405020304" pitchFamily="18" charset="0"/>
-              </a:rPr>
-              <a:t>Test </a:t>
-            </a:r>
-            <a:r>
-              <a:rPr lang="en-US" altLang="zh-CN" dirty="0">
-                <a:latin typeface="Times New Roman" panose="02020603050405020304" pitchFamily="18" charset="0"/>
-                <a:cs typeface="Times New Roman" panose="02020603050405020304" pitchFamily="18" charset="0"/>
-              </a:rPr>
-              <a:t>s</a:t>
-            </a:r>
-            <a:r>
-              <a:rPr lang="en-US" altLang="zh-CN" dirty="0" smtClean="0">
-                <a:latin typeface="Times New Roman" panose="02020603050405020304" pitchFamily="18" charset="0"/>
-                <a:cs typeface="Times New Roman" panose="02020603050405020304" pitchFamily="18" charset="0"/>
-              </a:rPr>
-              <a:t>et</a:t>
-            </a:r>
-            <a:endParaRPr lang="zh-CN" altLang="en-US" dirty="0">
-              <a:latin typeface="Times New Roman" panose="02020603050405020304" pitchFamily="18" charset="0"/>
-              <a:cs typeface="Times New Roman" panose="02020603050405020304" pitchFamily="18" charset="0"/>
+        <p:style>
+          <a:lnRef idx="2">
+            <a:schemeClr val="accent1">
+              <a:shade val="50000"/>
+            </a:schemeClr>
+          </a:lnRef>
+          <a:fillRef idx="1">
+            <a:schemeClr val="accent1"/>
+          </a:fillRef>
+          <a:effectRef idx="0">
+            <a:schemeClr val="accent1"/>
+          </a:effectRef>
+          <a:fontRef idx="minor">
+            <a:schemeClr val="lt1"/>
+          </a:fontRef>
+        </p:style>
+        <p:txBody>
+          <a:bodyPr rtlCol="0" anchor="ctr"/>
+          <a:lstStyle/>
+          <a:p>
+            <a:pPr marL="0" marR="0" lvl="0" indent="0" algn="ctr" defTabSz="457200" rtl="0" eaLnBrk="1" fontAlgn="auto" latinLnBrk="0" hangingPunct="1">
+              <a:lnSpc>
+                <a:spcPct val="100000"/>
+              </a:lnSpc>
+              <a:spcBef>
+                <a:spcPts val="0"/>
+              </a:spcBef>
+              <a:spcAft>
+                <a:spcPts val="0"/>
+              </a:spcAft>
+              <a:buClrTx/>
+              <a:buSzTx/>
+              <a:buFontTx/>
+              <a:buNone/>
+              <a:tabLst/>
+              <a:defRPr/>
+            </a:pPr>
+            <a:endParaRPr kumimoji="0" lang="zh-CN" altLang="en-US" sz="1800" b="0" i="0" u="none" strike="noStrike" kern="1200" cap="none" spc="0" normalizeH="0" baseline="0" noProof="0">
+              <a:ln>
+                <a:noFill/>
+              </a:ln>
+              <a:solidFill>
+                <a:prstClr val="white"/>
+              </a:solidFill>
+              <a:effectLst/>
+              <a:uLnTx/>
+              <a:uFillTx/>
+              <a:latin typeface="Calibri" panose="020F0502020204030204"/>
+              <a:ea typeface="等线" panose="02010600030101010101" pitchFamily="2" charset="-122"/>
+              <a:cs typeface="+mn-cs"/>
             </a:endParaRPr>
           </a:p>
         </p:txBody>
@@ -4412,13 +4999,20 @@
     </p:spTree>
     <p:extLst>
       <p:ext uri="{BB962C8B-B14F-4D97-AF65-F5344CB8AC3E}">
-        <p14:creationId xmlns:p14="http://schemas.microsoft.com/office/powerpoint/2010/main" val="2445096982"/>
+        <p14:creationId xmlns:p14="http://schemas.microsoft.com/office/powerpoint/2010/main" val="654427450"/>
       </p:ext>
     </p:extLst>
   </p:cSld>
   <p:clrMapOvr>
     <a:masterClrMapping/>
   </p:clrMapOvr>
+  <p:timing>
+    <p:tnLst>
+      <p:par>
+        <p:cTn id="1" dur="indefinite" restart="never" nodeType="tmRoot"/>
+      </p:par>
+    </p:tnLst>
+  </p:timing>
 </p:sld>
 </file>
 
@@ -4449,48 +5043,26 @@
       </p:grpSpPr>
       <p:sp>
         <p:nvSpPr>
-          <p:cNvPr id="3" name="副标题 2">
-            <a:extLst>
-              <a:ext uri="{FF2B5EF4-FFF2-40B4-BE49-F238E27FC236}">
-                <a16:creationId xmlns:a16="http://schemas.microsoft.com/office/drawing/2014/main" id="{B0A449E8-B1BB-440E-8CB2-BC01D38DC01D}"/>
-              </a:ext>
-            </a:extLst>
-          </p:cNvPr>
-          <p:cNvSpPr>
-            <a:spLocks noGrp="1"/>
-          </p:cNvSpPr>
-          <p:nvPr>
-            <p:ph type="subTitle" idx="1"/>
-          </p:nvPr>
+          <p:cNvPr id="4" name="文本框 3"/>
+          <p:cNvSpPr txBox="1"/>
+          <p:nvPr/>
         </p:nvSpPr>
         <p:spPr>
           <a:xfrm>
-            <a:off x="1592768" y="2504974"/>
-            <a:ext cx="5958464" cy="1848052"/>
+            <a:off x="1786622" y="3167390"/>
+            <a:ext cx="5570756" cy="523220"/>
           </a:xfrm>
+          <a:prstGeom prst="rect">
+            <a:avLst/>
+          </a:prstGeom>
+          <a:noFill/>
         </p:spPr>
         <p:txBody>
-          <a:bodyPr>
-            <a:noAutofit/>
+          <a:bodyPr wrap="none" rtlCol="0">
+            <a:spAutoFit/>
           </a:bodyPr>
           <a:lstStyle/>
           <a:p>
-            <a:pPr>
-              <a:lnSpc>
-                <a:spcPct val="120000"/>
-              </a:lnSpc>
-            </a:pPr>
-            <a:r>
-              <a:rPr lang="zh-CN" altLang="en-US" sz="2800" dirty="0">
-                <a:solidFill>
-                  <a:schemeClr val="bg1"/>
-                </a:solidFill>
-                <a:latin typeface="黑体" panose="02010609060101010101" pitchFamily="49" charset="-122"/>
-                <a:ea typeface="黑体" panose="02010609060101010101" pitchFamily="49" charset="-122"/>
-                <a:cs typeface="Times New Roman" panose="02020603050405020304" pitchFamily="18" charset="0"/>
-              </a:rPr>
-              <a:t>实验中请时刻注视屏幕中央</a:t>
-            </a:r>
             <a:r>
               <a:rPr lang="zh-CN" altLang="en-US" sz="2800" dirty="0" smtClean="0">
                 <a:solidFill>
@@ -4498,68 +5070,15 @@
                 </a:solidFill>
                 <a:latin typeface="黑体" panose="02010609060101010101" pitchFamily="49" charset="-122"/>
                 <a:ea typeface="黑体" panose="02010609060101010101" pitchFamily="49" charset="-122"/>
-                <a:cs typeface="Times New Roman" panose="02020603050405020304" pitchFamily="18" charset="0"/>
               </a:rPr>
-              <a:t>的圆点，并在圆点颜色改变时尽快按左键反应。</a:t>
-            </a:r>
-            <a:endParaRPr lang="en-US" altLang="zh-CN" sz="2800" dirty="0">
+              <a:t>依次类推，后续会出现一系列图片</a:t>
+            </a:r>
+            <a:endParaRPr lang="zh-CN" altLang="en-US" sz="2800" dirty="0">
               <a:solidFill>
                 <a:schemeClr val="bg1"/>
               </a:solidFill>
               <a:latin typeface="黑体" panose="02010609060101010101" pitchFamily="49" charset="-122"/>
               <a:ea typeface="黑体" panose="02010609060101010101" pitchFamily="49" charset="-122"/>
-              <a:cs typeface="Times New Roman" panose="02020603050405020304" pitchFamily="18" charset="0"/>
-            </a:endParaRPr>
-          </a:p>
-          <a:p>
-            <a:pPr>
-              <a:lnSpc>
-                <a:spcPct val="120000"/>
-              </a:lnSpc>
-            </a:pPr>
-            <a:r>
-              <a:rPr lang="zh-CN" altLang="en-US" sz="2800" dirty="0" smtClean="0">
-                <a:solidFill>
-                  <a:prstClr val="white"/>
-                </a:solidFill>
-                <a:latin typeface="黑体" panose="02010609060101010101" pitchFamily="49" charset="-122"/>
-                <a:ea typeface="黑体" panose="02010609060101010101" pitchFamily="49" charset="-122"/>
-              </a:rPr>
-              <a:t>准备</a:t>
-            </a:r>
-            <a:r>
-              <a:rPr lang="zh-CN" altLang="en-US" sz="2800" dirty="0" smtClean="0">
-                <a:solidFill>
-                  <a:prstClr val="white"/>
-                </a:solidFill>
-                <a:latin typeface="黑体" panose="02010609060101010101" pitchFamily="49" charset="-122"/>
-                <a:ea typeface="黑体" panose="02010609060101010101" pitchFamily="49" charset="-122"/>
-              </a:rPr>
-              <a:t>好后按</a:t>
-            </a:r>
-            <a:r>
-              <a:rPr lang="zh-CN" altLang="en-US" sz="2800" dirty="0" smtClean="0">
-                <a:solidFill>
-                  <a:prstClr val="white"/>
-                </a:solidFill>
-                <a:latin typeface="黑体" panose="02010609060101010101" pitchFamily="49" charset="-122"/>
-                <a:ea typeface="黑体" panose="02010609060101010101" pitchFamily="49" charset="-122"/>
-              </a:rPr>
-              <a:t>左键开始实验。</a:t>
-            </a:r>
-            <a:endParaRPr kumimoji="0" lang="zh-CN" altLang="en-US" sz="3200" b="0" i="0" u="none" strike="noStrike" kern="1200" cap="none" spc="0" normalizeH="0" baseline="0" noProof="0" dirty="0">
-              <a:ln>
-                <a:noFill/>
-              </a:ln>
-              <a:solidFill>
-                <a:prstClr val="white"/>
-              </a:solidFill>
-              <a:effectLst/>
-              <a:uLnTx/>
-              <a:uFillTx/>
-              <a:latin typeface="黑体" panose="02010609060101010101" pitchFamily="49" charset="-122"/>
-              <a:ea typeface="黑体" panose="02010609060101010101" pitchFamily="49" charset="-122"/>
-              <a:cs typeface="+mj-cs"/>
             </a:endParaRPr>
           </a:p>
         </p:txBody>
@@ -4567,13 +5086,20 @@
     </p:spTree>
     <p:extLst>
       <p:ext uri="{BB962C8B-B14F-4D97-AF65-F5344CB8AC3E}">
-        <p14:creationId xmlns:p14="http://schemas.microsoft.com/office/powerpoint/2010/main" val="2108798929"/>
+        <p14:creationId xmlns:p14="http://schemas.microsoft.com/office/powerpoint/2010/main" val="4166418244"/>
       </p:ext>
     </p:extLst>
   </p:cSld>
   <p:clrMapOvr>
     <a:masterClrMapping/>
   </p:clrMapOvr>
+  <p:timing>
+    <p:tnLst>
+      <p:par>
+        <p:cTn id="1" dur="indefinite" restart="never" nodeType="tmRoot"/>
+      </p:par>
+    </p:tnLst>
+  </p:timing>
 </p:sld>
 </file>
 
@@ -4649,53 +5175,23 @@
             </a:lvl1pPr>
           </a:lstStyle>
           <a:p>
-            <a:pPr marL="0" marR="0" lvl="0" indent="0" algn="ctr" defTabSz="914400" rtl="0" eaLnBrk="1" fontAlgn="auto" latinLnBrk="0" hangingPunct="1">
-              <a:lnSpc>
-                <a:spcPct val="90000"/>
-              </a:lnSpc>
-              <a:spcBef>
-                <a:spcPct val="0"/>
-              </a:spcBef>
-              <a:spcAft>
-                <a:spcPts val="0"/>
-              </a:spcAft>
-              <a:buClrTx/>
-              <a:buSzTx/>
-              <a:buFontTx/>
-              <a:buNone/>
-              <a:tabLst/>
-              <a:defRPr/>
-            </a:pPr>
-            <a:r>
-              <a:rPr kumimoji="0" lang="zh-CN" altLang="en-US" sz="4000" b="0" i="0" u="none" strike="noStrike" kern="1200" cap="none" spc="0" normalizeH="0" baseline="0" noProof="0" dirty="0" smtClean="0">
-                <a:ln>
-                  <a:noFill/>
-                </a:ln>
+            <a:r>
+              <a:rPr lang="zh-CN" altLang="en-US" sz="4000" dirty="0" smtClean="0">
                 <a:solidFill>
-                  <a:prstClr val="white"/>
+                  <a:schemeClr val="bg1"/>
                 </a:solidFill>
-                <a:effectLst/>
-                <a:uLnTx/>
-                <a:uFillTx/>
                 <a:latin typeface="黑体" panose="02010609060101010101" pitchFamily="49" charset="-122"/>
                 <a:ea typeface="黑体" panose="02010609060101010101" pitchFamily="49" charset="-122"/>
                 <a:cs typeface="Times New Roman" panose="02020603050405020304" pitchFamily="18" charset="0"/>
               </a:rPr>
               <a:t>请稍事休息，后续实验马上开始。</a:t>
             </a:r>
-            <a:endParaRPr kumimoji="0" lang="zh-CN" altLang="en-US" sz="4000" b="0" i="0" u="none" strike="noStrike" kern="1200" cap="none" spc="0" normalizeH="0" baseline="0" noProof="0" dirty="0">
-              <a:ln>
-                <a:noFill/>
-              </a:ln>
+            <a:endParaRPr lang="zh-CN" altLang="en-US" sz="4000" dirty="0">
               <a:solidFill>
-                <a:prstClr val="white"/>
+                <a:schemeClr val="bg1"/>
               </a:solidFill>
-              <a:effectLst/>
-              <a:uLnTx/>
-              <a:uFillTx/>
               <a:latin typeface="黑体" panose="02010609060101010101" pitchFamily="49" charset="-122"/>
               <a:ea typeface="黑体" panose="02010609060101010101" pitchFamily="49" charset="-122"/>
-              <a:cs typeface="+mj-cs"/>
             </a:endParaRPr>
           </a:p>
         </p:txBody>
@@ -4703,7 +5199,7 @@
     </p:spTree>
     <p:extLst>
       <p:ext uri="{BB962C8B-B14F-4D97-AF65-F5344CB8AC3E}">
-        <p14:creationId xmlns:p14="http://schemas.microsoft.com/office/powerpoint/2010/main" val="155193632"/>
+        <p14:creationId xmlns:p14="http://schemas.microsoft.com/office/powerpoint/2010/main" val="3095078492"/>
       </p:ext>
     </p:extLst>
   </p:cSld>
@@ -4756,7 +5252,21 @@
                 <a:latin typeface="Times New Roman" panose="02020603050405020304" pitchFamily="18" charset="0"/>
                 <a:cs typeface="Times New Roman" panose="02020603050405020304" pitchFamily="18" charset="0"/>
               </a:rPr>
-              <a:t>Behavior</a:t>
+              <a:t>Test </a:t>
+            </a:r>
+            <a:r>
+              <a:rPr lang="en-US" altLang="zh-CN" dirty="0">
+                <a:latin typeface="Times New Roman" panose="02020603050405020304" pitchFamily="18" charset="0"/>
+                <a:cs typeface="Times New Roman" panose="02020603050405020304" pitchFamily="18" charset="0"/>
+              </a:rPr>
+              <a:t>s</a:t>
+            </a:r>
+            <a:r>
+              <a:rPr lang="en-US" altLang="zh-CN" dirty="0" smtClean="0">
+                <a:latin typeface="Times New Roman" panose="02020603050405020304" pitchFamily="18" charset="0"/>
+                <a:cs typeface="Times New Roman" panose="02020603050405020304" pitchFamily="18" charset="0"/>
+              </a:rPr>
+              <a:t>et</a:t>
             </a:r>
             <a:endParaRPr lang="zh-CN" altLang="en-US" dirty="0">
               <a:latin typeface="Times New Roman" panose="02020603050405020304" pitchFamily="18" charset="0"/>
@@ -4768,7 +5278,7 @@
     </p:spTree>
     <p:extLst>
       <p:ext uri="{BB962C8B-B14F-4D97-AF65-F5344CB8AC3E}">
-        <p14:creationId xmlns:p14="http://schemas.microsoft.com/office/powerpoint/2010/main" val="2884176794"/>
+        <p14:creationId xmlns:p14="http://schemas.microsoft.com/office/powerpoint/2010/main" val="2445096982"/>
       </p:ext>
     </p:extLst>
   </p:cSld>
@@ -4821,8 +5331,8 @@
         </p:nvSpPr>
         <p:spPr>
           <a:xfrm>
-            <a:off x="1651142" y="2278886"/>
-            <a:ext cx="5841717" cy="2300228"/>
+            <a:off x="1592768" y="2504974"/>
+            <a:ext cx="5958464" cy="1848052"/>
           </a:xfrm>
         </p:spPr>
         <p:txBody>
@@ -4836,6 +5346,17 @@
                 <a:spcPct val="120000"/>
               </a:lnSpc>
             </a:pPr>
+            <a:r>
+              <a:rPr lang="zh-CN" altLang="en-US" sz="2800" dirty="0">
+                <a:solidFill>
+                  <a:schemeClr val="bg1"/>
+                </a:solidFill>
+                <a:latin typeface="黑体" panose="02010609060101010101" pitchFamily="49" charset="-122"/>
+                <a:ea typeface="黑体" panose="02010609060101010101" pitchFamily="49" charset="-122"/>
+                <a:cs typeface="Times New Roman" panose="02020603050405020304" pitchFamily="18" charset="0"/>
+              </a:rPr>
+              <a:t>实验中请时刻注视屏幕中央</a:t>
+            </a:r>
             <a:r>
               <a:rPr lang="zh-CN" altLang="en-US" sz="2800" dirty="0" smtClean="0">
                 <a:solidFill>
@@ -4845,53 +5366,9 @@
                 <a:ea typeface="黑体" panose="02010609060101010101" pitchFamily="49" charset="-122"/>
                 <a:cs typeface="Times New Roman" panose="02020603050405020304" pitchFamily="18" charset="0"/>
               </a:rPr>
-              <a:t>请判断每张图片是否在今天的磁共振实验中出现过，并尽快</a:t>
-            </a:r>
-            <a:r>
-              <a:rPr lang="zh-CN" altLang="en-US" sz="2800" dirty="0">
-                <a:solidFill>
-                  <a:schemeClr val="bg1"/>
-                </a:solidFill>
-                <a:latin typeface="黑体" panose="02010609060101010101" pitchFamily="49" charset="-122"/>
-                <a:ea typeface="黑体" panose="02010609060101010101" pitchFamily="49" charset="-122"/>
-                <a:cs typeface="Times New Roman" panose="02020603050405020304" pitchFamily="18" charset="0"/>
-              </a:rPr>
-              <a:t>按键反应</a:t>
-            </a:r>
-            <a:r>
-              <a:rPr lang="zh-CN" altLang="en-US" sz="2800" dirty="0" smtClean="0">
-                <a:solidFill>
-                  <a:schemeClr val="bg1"/>
-                </a:solidFill>
-                <a:latin typeface="黑体" panose="02010609060101010101" pitchFamily="49" charset="-122"/>
-                <a:ea typeface="黑体" panose="02010609060101010101" pitchFamily="49" charset="-122"/>
-                <a:cs typeface="Times New Roman" panose="02020603050405020304" pitchFamily="18" charset="0"/>
-              </a:rPr>
-              <a:t>。出现过按左键，未出现过按</a:t>
-            </a:r>
-            <a:r>
-              <a:rPr lang="zh-CN" altLang="en-US" sz="2800" dirty="0">
-                <a:solidFill>
-                  <a:schemeClr val="bg1"/>
-                </a:solidFill>
-                <a:latin typeface="黑体" panose="02010609060101010101" pitchFamily="49" charset="-122"/>
-                <a:ea typeface="黑体" panose="02010609060101010101" pitchFamily="49" charset="-122"/>
-                <a:cs typeface="Times New Roman" panose="02020603050405020304" pitchFamily="18" charset="0"/>
-              </a:rPr>
-              <a:t>右键</a:t>
-            </a:r>
-            <a:r>
-              <a:rPr lang="zh-CN" altLang="en-US" sz="2800" dirty="0" smtClean="0">
-                <a:solidFill>
-                  <a:schemeClr val="bg1"/>
-                </a:solidFill>
-                <a:latin typeface="黑体" panose="02010609060101010101" pitchFamily="49" charset="-122"/>
-                <a:ea typeface="黑体" panose="02010609060101010101" pitchFamily="49" charset="-122"/>
-                <a:cs typeface="Times New Roman" panose="02020603050405020304" pitchFamily="18" charset="0"/>
-              </a:rPr>
-              <a:t>。</a:t>
-            </a:r>
-            <a:endParaRPr lang="en-US" altLang="zh-CN" sz="2800" dirty="0" smtClean="0">
+              <a:t>的圆点，并在圆点颜色改变时尽快按左键反应。</a:t>
+            </a:r>
+            <a:endParaRPr lang="en-US" altLang="zh-CN" sz="2800" dirty="0">
               <a:solidFill>
                 <a:schemeClr val="bg1"/>
               </a:solidFill>
@@ -4909,40 +5386,26 @@
             <a:r>
               <a:rPr lang="zh-CN" altLang="en-US" sz="2800" dirty="0" smtClean="0">
                 <a:solidFill>
-                  <a:schemeClr val="bg1"/>
+                  <a:prstClr val="white"/>
                 </a:solidFill>
                 <a:latin typeface="黑体" panose="02010609060101010101" pitchFamily="49" charset="-122"/>
                 <a:ea typeface="黑体" panose="02010609060101010101" pitchFamily="49" charset="-122"/>
               </a:rPr>
-              <a:t>准备好后按</a:t>
-            </a:r>
-            <a:r>
-              <a:rPr lang="zh-CN" altLang="en-US" sz="2800" dirty="0">
-                <a:solidFill>
-                  <a:schemeClr val="bg1"/>
-                </a:solidFill>
-                <a:latin typeface="黑体" panose="02010609060101010101" pitchFamily="49" charset="-122"/>
-                <a:ea typeface="黑体" panose="02010609060101010101" pitchFamily="49" charset="-122"/>
-              </a:rPr>
-              <a:t>左键开始实验</a:t>
-            </a:r>
-            <a:r>
-              <a:rPr lang="zh-CN" altLang="en-US" sz="2800" dirty="0" smtClean="0">
-                <a:solidFill>
-                  <a:schemeClr val="bg1"/>
-                </a:solidFill>
-                <a:latin typeface="黑体" panose="02010609060101010101" pitchFamily="49" charset="-122"/>
-                <a:ea typeface="黑体" panose="02010609060101010101" pitchFamily="49" charset="-122"/>
-              </a:rPr>
-              <a:t>。</a:t>
-            </a:r>
-            <a:endParaRPr lang="en-US" altLang="zh-CN" sz="2800" b="1" dirty="0">
+              <a:t>准备好后按左键开始实验。</a:t>
+            </a:r>
+            <a:endParaRPr kumimoji="0" lang="zh-CN" altLang="en-US" sz="3200" b="0" i="0" u="none" strike="noStrike" kern="1200" cap="none" spc="0" normalizeH="0" baseline="0" noProof="0" dirty="0">
+              <a:ln>
+                <a:noFill/>
+              </a:ln>
               <a:solidFill>
-                <a:schemeClr val="bg1"/>
+                <a:prstClr val="white"/>
               </a:solidFill>
+              <a:effectLst/>
+              <a:uLnTx/>
+              <a:uFillTx/>
               <a:latin typeface="黑体" panose="02010609060101010101" pitchFamily="49" charset="-122"/>
               <a:ea typeface="黑体" panose="02010609060101010101" pitchFamily="49" charset="-122"/>
-              <a:cs typeface="Times New Roman" panose="02020603050405020304" pitchFamily="18" charset="0"/>
+              <a:cs typeface="+mj-cs"/>
             </a:endParaRPr>
           </a:p>
         </p:txBody>
@@ -4950,7 +5413,7 @@
     </p:spTree>
     <p:extLst>
       <p:ext uri="{BB962C8B-B14F-4D97-AF65-F5344CB8AC3E}">
-        <p14:creationId xmlns:p14="http://schemas.microsoft.com/office/powerpoint/2010/main" val="3439886049"/>
+        <p14:creationId xmlns:p14="http://schemas.microsoft.com/office/powerpoint/2010/main" val="2108798929"/>
       </p:ext>
     </p:extLst>
   </p:cSld>

--- a/instruction/instruction.pptx
+++ b/instruction/instruction.pptx
@@ -5,22 +5,23 @@
     <p:sldMasterId id="2147483660" r:id="rId1"/>
   </p:sldMasterIdLst>
   <p:notesMasterIdLst>
-    <p:notesMasterId r:id="rId15"/>
+    <p:notesMasterId r:id="rId16"/>
   </p:notesMasterIdLst>
   <p:sldIdLst>
     <p:sldId id="275" r:id="rId2"/>
-    <p:sldId id="276" r:id="rId3"/>
-    <p:sldId id="268" r:id="rId4"/>
-    <p:sldId id="283" r:id="rId5"/>
-    <p:sldId id="284" r:id="rId6"/>
-    <p:sldId id="286" r:id="rId7"/>
-    <p:sldId id="259" r:id="rId8"/>
-    <p:sldId id="278" r:id="rId9"/>
-    <p:sldId id="269" r:id="rId10"/>
-    <p:sldId id="282" r:id="rId11"/>
-    <p:sldId id="277" r:id="rId12"/>
-    <p:sldId id="274" r:id="rId13"/>
-    <p:sldId id="280" r:id="rId14"/>
+    <p:sldId id="287" r:id="rId3"/>
+    <p:sldId id="276" r:id="rId4"/>
+    <p:sldId id="268" r:id="rId5"/>
+    <p:sldId id="283" r:id="rId6"/>
+    <p:sldId id="284" r:id="rId7"/>
+    <p:sldId id="286" r:id="rId8"/>
+    <p:sldId id="259" r:id="rId9"/>
+    <p:sldId id="278" r:id="rId10"/>
+    <p:sldId id="269" r:id="rId11"/>
+    <p:sldId id="282" r:id="rId12"/>
+    <p:sldId id="277" r:id="rId13"/>
+    <p:sldId id="274" r:id="rId14"/>
+    <p:sldId id="280" r:id="rId15"/>
   </p:sldIdLst>
   <p:sldSz cx="9144000" cy="6858000" type="screen4x3"/>
   <p:notesSz cx="6858000" cy="9144000"/>
@@ -550,7 +551,7 @@
           <a:p>
             <a:fld id="{877254A5-7E02-4BE6-9FDC-9A93DDC1686D}" type="slidenum">
               <a:rPr lang="zh-CN" altLang="en-US" smtClean="0"/>
-              <a:t>3</a:t>
+              <a:t>4</a:t>
             </a:fld>
             <a:endParaRPr lang="zh-CN" altLang="en-US"/>
           </a:p>
@@ -613,7 +614,11 @@
           <a:bodyPr/>
           <a:lstStyle/>
           <a:p>
-            <a:endParaRPr lang="zh-CN" altLang="en-US" dirty="0"/>
+            <a:r>
+              <a:rPr lang="zh-CN" altLang="en-US" dirty="0" smtClean="0"/>
+              <a:t>任务是判断图片中的物体是否有生命，有生命按左键，无生命按右键。要求在图片消失后尽快按键。</a:t>
+            </a:r>
+            <a:endParaRPr lang="en-US" altLang="zh-CN" dirty="0" smtClean="0"/>
           </a:p>
         </p:txBody>
       </p:sp>
@@ -681,7 +686,7 @@
                 <a:tabLst/>
                 <a:defRPr/>
               </a:pPr>
-              <a:t>4</a:t>
+              <a:t>5</a:t>
             </a:fld>
             <a:endParaRPr kumimoji="0" lang="zh-CN" altLang="en-US" sz="1200" b="0" i="0" u="none" strike="noStrike" kern="1200" cap="none" spc="0" normalizeH="0" baseline="0" noProof="0">
               <a:ln>
@@ -758,6 +763,219 @@
           <a:lstStyle/>
           <a:p>
             <a:r>
+              <a:rPr lang="zh-CN" altLang="en-US" dirty="0" smtClean="0"/>
+              <a:t>注视中央白点</a:t>
+            </a:r>
+            <a:endParaRPr lang="zh-CN" altLang="en-US" dirty="0"/>
+          </a:p>
+        </p:txBody>
+      </p:sp>
+      <p:sp>
+        <p:nvSpPr>
+          <p:cNvPr id="4" name="灯片编号占位符 3"/>
+          <p:cNvSpPr>
+            <a:spLocks noGrp="1"/>
+          </p:cNvSpPr>
+          <p:nvPr>
+            <p:ph type="sldNum" sz="quarter" idx="10"/>
+          </p:nvPr>
+        </p:nvSpPr>
+        <p:spPr/>
+        <p:txBody>
+          <a:bodyPr/>
+          <a:lstStyle/>
+          <a:p>
+            <a:fld id="{877254A5-7E02-4BE6-9FDC-9A93DDC1686D}" type="slidenum">
+              <a:rPr lang="zh-CN" altLang="en-US" smtClean="0"/>
+              <a:t>6</a:t>
+            </a:fld>
+            <a:endParaRPr lang="zh-CN" altLang="en-US"/>
+          </a:p>
+        </p:txBody>
+      </p:sp>
+    </p:spTree>
+    <p:extLst>
+      <p:ext uri="{BB962C8B-B14F-4D97-AF65-F5344CB8AC3E}">
+        <p14:creationId xmlns:p14="http://schemas.microsoft.com/office/powerpoint/2010/main" val="2840991458"/>
+      </p:ext>
+    </p:extLst>
+  </p:cSld>
+  <p:clrMapOvr>
+    <a:masterClrMapping/>
+  </p:clrMapOvr>
+</p:notes>
+</file>
+
+<file path=ppt/notesSlides/notesSlide4.xml><?xml version="1.0" encoding="utf-8"?>
+<p:notes xmlns:a="http://schemas.openxmlformats.org/drawingml/2006/main" xmlns:r="http://schemas.openxmlformats.org/officeDocument/2006/relationships" xmlns:p="http://schemas.openxmlformats.org/presentationml/2006/main">
+  <p:cSld>
+    <p:spTree>
+      <p:nvGrpSpPr>
+        <p:cNvPr id="1" name=""/>
+        <p:cNvGrpSpPr/>
+        <p:nvPr/>
+      </p:nvGrpSpPr>
+      <p:grpSpPr>
+        <a:xfrm>
+          <a:off x="0" y="0"/>
+          <a:ext cx="0" cy="0"/>
+          <a:chOff x="0" y="0"/>
+          <a:chExt cx="0" cy="0"/>
+        </a:xfrm>
+      </p:grpSpPr>
+      <p:sp>
+        <p:nvSpPr>
+          <p:cNvPr id="2" name="幻灯片图像占位符 1"/>
+          <p:cNvSpPr>
+            <a:spLocks noGrp="1" noRot="1" noChangeAspect="1"/>
+          </p:cNvSpPr>
+          <p:nvPr>
+            <p:ph type="sldImg"/>
+          </p:nvPr>
+        </p:nvSpPr>
+        <p:spPr/>
+      </p:sp>
+      <p:sp>
+        <p:nvSpPr>
+          <p:cNvPr id="3" name="备注占位符 2"/>
+          <p:cNvSpPr>
+            <a:spLocks noGrp="1"/>
+          </p:cNvSpPr>
+          <p:nvPr>
+            <p:ph type="body" idx="1"/>
+          </p:nvPr>
+        </p:nvSpPr>
+        <p:spPr/>
+        <p:txBody>
+          <a:bodyPr/>
+          <a:lstStyle/>
+          <a:p>
+            <a:pPr marL="0" marR="0" indent="0" algn="l" defTabSz="914400" rtl="0" eaLnBrk="1" fontAlgn="auto" latinLnBrk="0" hangingPunct="1">
+              <a:lnSpc>
+                <a:spcPct val="100000"/>
+              </a:lnSpc>
+              <a:spcBef>
+                <a:spcPts val="0"/>
+              </a:spcBef>
+              <a:spcAft>
+                <a:spcPts val="0"/>
+              </a:spcAft>
+              <a:buClrTx/>
+              <a:buSzTx/>
+              <a:buFontTx/>
+              <a:buNone/>
+              <a:tabLst/>
+              <a:defRPr/>
+            </a:pPr>
+            <a:r>
+              <a:rPr lang="zh-CN" altLang="en-US" dirty="0" smtClean="0">
+                <a:latin typeface="黑体" panose="02010609060101010101" pitchFamily="49" charset="-122"/>
+                <a:ea typeface="黑体" panose="02010609060101010101" pitchFamily="49" charset="-122"/>
+              </a:rPr>
+              <a:t>可以稍微休息，但头和身体也不要大幅运动</a:t>
+            </a:r>
+            <a:r>
+              <a:rPr lang="en-US" altLang="zh-CN" dirty="0" smtClean="0">
+                <a:latin typeface="黑体" panose="02010609060101010101" pitchFamily="49" charset="-122"/>
+                <a:ea typeface="黑体" panose="02010609060101010101" pitchFamily="49" charset="-122"/>
+              </a:rPr>
+              <a:t>(&lt;20mm)</a:t>
+            </a:r>
+            <a:r>
+              <a:rPr lang="zh-CN" altLang="en-US" dirty="0" smtClean="0">
+                <a:latin typeface="黑体" panose="02010609060101010101" pitchFamily="49" charset="-122"/>
+                <a:ea typeface="黑体" panose="02010609060101010101" pitchFamily="49" charset="-122"/>
+              </a:rPr>
+              <a:t>。如果状态可以就尽快开始下边实验，休息越长在里边待的时间越长。</a:t>
+            </a:r>
+            <a:endParaRPr lang="en-US" altLang="zh-CN" dirty="0" smtClean="0">
+              <a:latin typeface="黑体" panose="02010609060101010101" pitchFamily="49" charset="-122"/>
+              <a:ea typeface="黑体" panose="02010609060101010101" pitchFamily="49" charset="-122"/>
+            </a:endParaRPr>
+          </a:p>
+        </p:txBody>
+      </p:sp>
+      <p:sp>
+        <p:nvSpPr>
+          <p:cNvPr id="4" name="灯片编号占位符 3"/>
+          <p:cNvSpPr>
+            <a:spLocks noGrp="1"/>
+          </p:cNvSpPr>
+          <p:nvPr>
+            <p:ph type="sldNum" sz="quarter" idx="10"/>
+          </p:nvPr>
+        </p:nvSpPr>
+        <p:spPr/>
+        <p:txBody>
+          <a:bodyPr/>
+          <a:lstStyle/>
+          <a:p>
+            <a:fld id="{877254A5-7E02-4BE6-9FDC-9A93DDC1686D}" type="slidenum">
+              <a:rPr lang="zh-CN" altLang="en-US" smtClean="0"/>
+              <a:t>8</a:t>
+            </a:fld>
+            <a:endParaRPr lang="zh-CN" altLang="en-US"/>
+          </a:p>
+        </p:txBody>
+      </p:sp>
+    </p:spTree>
+    <p:extLst>
+      <p:ext uri="{BB962C8B-B14F-4D97-AF65-F5344CB8AC3E}">
+        <p14:creationId xmlns:p14="http://schemas.microsoft.com/office/powerpoint/2010/main" val="2463962801"/>
+      </p:ext>
+    </p:extLst>
+  </p:cSld>
+  <p:clrMapOvr>
+    <a:masterClrMapping/>
+  </p:clrMapOvr>
+</p:notes>
+</file>
+
+<file path=ppt/notesSlides/notesSlide5.xml><?xml version="1.0" encoding="utf-8"?>
+<p:notes xmlns:a="http://schemas.openxmlformats.org/drawingml/2006/main" xmlns:r="http://schemas.openxmlformats.org/officeDocument/2006/relationships" xmlns:p="http://schemas.openxmlformats.org/presentationml/2006/main">
+  <p:cSld>
+    <p:spTree>
+      <p:nvGrpSpPr>
+        <p:cNvPr id="1" name=""/>
+        <p:cNvGrpSpPr/>
+        <p:nvPr/>
+      </p:nvGrpSpPr>
+      <p:grpSpPr>
+        <a:xfrm>
+          <a:off x="0" y="0"/>
+          <a:ext cx="0" cy="0"/>
+          <a:chOff x="0" y="0"/>
+          <a:chExt cx="0" cy="0"/>
+        </a:xfrm>
+      </p:grpSpPr>
+      <p:sp>
+        <p:nvSpPr>
+          <p:cNvPr id="2" name="幻灯片图像占位符 1"/>
+          <p:cNvSpPr>
+            <a:spLocks noGrp="1" noRot="1" noChangeAspect="1"/>
+          </p:cNvSpPr>
+          <p:nvPr>
+            <p:ph type="sldImg"/>
+          </p:nvPr>
+        </p:nvSpPr>
+        <p:spPr/>
+      </p:sp>
+      <p:sp>
+        <p:nvSpPr>
+          <p:cNvPr id="3" name="备注占位符 2"/>
+          <p:cNvSpPr>
+            <a:spLocks noGrp="1"/>
+          </p:cNvSpPr>
+          <p:nvPr>
+            <p:ph type="body" idx="1"/>
+          </p:nvPr>
+        </p:nvSpPr>
+        <p:spPr/>
+        <p:txBody>
+          <a:bodyPr/>
+          <a:lstStyle/>
+          <a:p>
+            <a:r>
               <a:rPr lang="en-US" altLang="zh-CN" dirty="0" smtClean="0"/>
               <a:t>BIN</a:t>
             </a:r>
@@ -786,7 +1004,7 @@
           <a:p>
             <a:fld id="{877254A5-7E02-4BE6-9FDC-9A93DDC1686D}" type="slidenum">
               <a:rPr lang="zh-CN" altLang="en-US" smtClean="0"/>
-              <a:t>9</a:t>
+              <a:t>10</a:t>
             </a:fld>
             <a:endParaRPr lang="zh-CN" altLang="en-US"/>
           </a:p>
@@ -805,7 +1023,7 @@
 </p:notes>
 </file>
 
-<file path=ppt/notesSlides/notesSlide4.xml><?xml version="1.0" encoding="utf-8"?>
+<file path=ppt/notesSlides/notesSlide6.xml><?xml version="1.0" encoding="utf-8"?>
 <p:notes xmlns:a="http://schemas.openxmlformats.org/drawingml/2006/main" xmlns:r="http://schemas.openxmlformats.org/officeDocument/2006/relationships" xmlns:p="http://schemas.openxmlformats.org/presentationml/2006/main">
   <p:cSld>
     <p:spTree>
@@ -925,7 +1143,7 @@
                 <a:tabLst/>
                 <a:defRPr/>
               </a:pPr>
-              <a:t>12</a:t>
+              <a:t>13</a:t>
             </a:fld>
             <a:endParaRPr kumimoji="0" lang="zh-CN" altLang="en-US" sz="1200" b="0" i="0" u="none" strike="noStrike" kern="1200" cap="none" spc="0" normalizeH="0" baseline="0" noProof="0">
               <a:ln>
@@ -3914,86 +4132,85 @@
       </p:grpSpPr>
       <p:sp>
         <p:nvSpPr>
-          <p:cNvPr id="5" name="标题 1">
+          <p:cNvPr id="3" name="副标题 2">
             <a:extLst>
               <a:ext uri="{FF2B5EF4-FFF2-40B4-BE49-F238E27FC236}">
-                <a16:creationId xmlns:a16="http://schemas.microsoft.com/office/drawing/2014/main" id="{9E7F9276-CB36-4D03-8899-4441C9E51EC0}"/>
+                <a16:creationId xmlns:a16="http://schemas.microsoft.com/office/drawing/2014/main" id="{B0A449E8-B1BB-440E-8CB2-BC01D38DC01D}"/>
               </a:ext>
             </a:extLst>
           </p:cNvPr>
-          <p:cNvSpPr txBox="1">
-            <a:spLocks/>
-          </p:cNvSpPr>
-          <p:nvPr/>
+          <p:cNvSpPr>
+            <a:spLocks noGrp="1"/>
+          </p:cNvSpPr>
+          <p:nvPr>
+            <p:ph type="subTitle" idx="1"/>
+          </p:nvPr>
         </p:nvSpPr>
         <p:spPr>
           <a:xfrm>
-            <a:off x="886353" y="3062696"/>
-            <a:ext cx="7371295" cy="732608"/>
+            <a:off x="1592768" y="2504974"/>
+            <a:ext cx="5958464" cy="1848052"/>
           </a:xfrm>
-          <a:prstGeom prst="rect">
-            <a:avLst/>
-          </a:prstGeom>
         </p:spPr>
         <p:txBody>
-          <a:bodyPr vert="horz" lIns="68580" tIns="34290" rIns="68580" bIns="34290" rtlCol="0" anchor="b">
+          <a:bodyPr>
             <a:noAutofit/>
           </a:bodyPr>
-          <a:lstStyle>
-            <a:lvl1pPr algn="ctr" defTabSz="914400" rtl="0" eaLnBrk="1" latinLnBrk="0" hangingPunct="1">
+          <a:lstStyle/>
+          <a:p>
+            <a:pPr>
               <a:lnSpc>
-                <a:spcPct val="90000"/>
+                <a:spcPct val="120000"/>
               </a:lnSpc>
-              <a:spcBef>
-                <a:spcPct val="0"/>
-              </a:spcBef>
-              <a:buNone/>
-              <a:defRPr sz="6000" kern="1200">
+            </a:pPr>
+            <a:r>
+              <a:rPr lang="zh-CN" altLang="en-US" sz="2800" dirty="0">
                 <a:solidFill>
-                  <a:schemeClr val="tx1"/>
+                  <a:schemeClr val="bg1"/>
                 </a:solidFill>
-                <a:latin typeface="+mj-lt"/>
-                <a:ea typeface="+mj-ea"/>
-                <a:cs typeface="+mj-cs"/>
-              </a:defRPr>
-            </a:lvl1pPr>
-          </a:lstStyle>
-          <a:p>
-            <a:pPr marL="0" marR="0" lvl="0" indent="0" algn="ctr" defTabSz="914400" rtl="0" eaLnBrk="1" fontAlgn="auto" latinLnBrk="0" hangingPunct="1">
-              <a:lnSpc>
-                <a:spcPct val="90000"/>
-              </a:lnSpc>
-              <a:spcBef>
-                <a:spcPct val="0"/>
-              </a:spcBef>
-              <a:spcAft>
-                <a:spcPts val="0"/>
-              </a:spcAft>
-              <a:buClrTx/>
-              <a:buSzTx/>
-              <a:buFontTx/>
-              <a:buNone/>
-              <a:tabLst/>
-              <a:defRPr/>
-            </a:pPr>
-            <a:r>
-              <a:rPr kumimoji="0" lang="zh-CN" altLang="en-US" sz="4000" b="0" i="0" u="none" strike="noStrike" kern="1200" cap="none" spc="0" normalizeH="0" baseline="0" noProof="0" dirty="0" smtClean="0">
-                <a:ln>
-                  <a:noFill/>
-                </a:ln>
-                <a:solidFill>
-                  <a:prstClr val="white"/>
-                </a:solidFill>
-                <a:effectLst/>
-                <a:uLnTx/>
-                <a:uFillTx/>
                 <a:latin typeface="黑体" panose="02010609060101010101" pitchFamily="49" charset="-122"/>
                 <a:ea typeface="黑体" panose="02010609060101010101" pitchFamily="49" charset="-122"/>
                 <a:cs typeface="Times New Roman" panose="02020603050405020304" pitchFamily="18" charset="0"/>
               </a:rPr>
-              <a:t>请稍事休息，后续实验马上开始。</a:t>
-            </a:r>
-            <a:endParaRPr kumimoji="0" lang="zh-CN" altLang="en-US" sz="4000" b="0" i="0" u="none" strike="noStrike" kern="1200" cap="none" spc="0" normalizeH="0" baseline="0" noProof="0" dirty="0">
+              <a:t>实验中请时刻注视屏幕中央</a:t>
+            </a:r>
+            <a:r>
+              <a:rPr lang="zh-CN" altLang="en-US" sz="2800" dirty="0" smtClean="0">
+                <a:solidFill>
+                  <a:schemeClr val="bg1"/>
+                </a:solidFill>
+                <a:latin typeface="黑体" panose="02010609060101010101" pitchFamily="49" charset="-122"/>
+                <a:ea typeface="黑体" panose="02010609060101010101" pitchFamily="49" charset="-122"/>
+                <a:cs typeface="Times New Roman" panose="02020603050405020304" pitchFamily="18" charset="0"/>
+              </a:rPr>
+              <a:t>的圆点，并在圆点颜色改变时尽快按左键反应。</a:t>
+            </a:r>
+            <a:endParaRPr lang="en-US" altLang="zh-CN" sz="2800" dirty="0">
+              <a:solidFill>
+                <a:schemeClr val="bg1"/>
+              </a:solidFill>
+              <a:latin typeface="黑体" panose="02010609060101010101" pitchFamily="49" charset="-122"/>
+              <a:ea typeface="黑体" panose="02010609060101010101" pitchFamily="49" charset="-122"/>
+              <a:cs typeface="Times New Roman" panose="02020603050405020304" pitchFamily="18" charset="0"/>
+            </a:endParaRPr>
+          </a:p>
+          <a:p>
+            <a:pPr>
+              <a:lnSpc>
+                <a:spcPct val="120000"/>
+              </a:lnSpc>
+            </a:pPr>
+            <a:r>
+              <a:rPr lang="zh-CN" altLang="en-US" sz="2800" dirty="0" smtClean="0">
+                <a:solidFill>
+                  <a:prstClr val="white"/>
+                </a:solidFill>
+                <a:latin typeface="黑体" panose="02010609060101010101" pitchFamily="49" charset="-122"/>
+                <a:ea typeface="黑体" panose="02010609060101010101" pitchFamily="49" charset="-122"/>
+              </a:rPr>
+              <a:t>准备好后按左键开始实验。</a:t>
+            </a:r>
+            <a:endParaRPr kumimoji="0" lang="zh-CN" altLang="en-US" sz="3200" b="0" i="0" u="none" strike="noStrike" kern="1200" cap="none" spc="0" normalizeH="0" baseline="0" noProof="0" dirty="0">
               <a:ln>
                 <a:noFill/>
               </a:ln>
@@ -4013,7 +4230,7 @@
     </p:spTree>
     <p:extLst>
       <p:ext uri="{BB962C8B-B14F-4D97-AF65-F5344CB8AC3E}">
-        <p14:creationId xmlns:p14="http://schemas.microsoft.com/office/powerpoint/2010/main" val="155193632"/>
+        <p14:creationId xmlns:p14="http://schemas.microsoft.com/office/powerpoint/2010/main" val="2108798929"/>
       </p:ext>
     </p:extLst>
   </p:cSld>
@@ -4024,71 +4241,6 @@
 </file>
 
 <file path=ppt/slides/slide11.xml><?xml version="1.0" encoding="utf-8"?>
-<p:sld xmlns:a="http://schemas.openxmlformats.org/drawingml/2006/main" xmlns:r="http://schemas.openxmlformats.org/officeDocument/2006/relationships" xmlns:p="http://schemas.openxmlformats.org/presentationml/2006/main">
-  <p:cSld>
-    <p:spTree>
-      <p:nvGrpSpPr>
-        <p:cNvPr id="1" name=""/>
-        <p:cNvGrpSpPr/>
-        <p:nvPr/>
-      </p:nvGrpSpPr>
-      <p:grpSpPr>
-        <a:xfrm>
-          <a:off x="0" y="0"/>
-          <a:ext cx="0" cy="0"/>
-          <a:chOff x="0" y="0"/>
-          <a:chExt cx="0" cy="0"/>
-        </a:xfrm>
-      </p:grpSpPr>
-      <p:sp>
-        <p:nvSpPr>
-          <p:cNvPr id="2" name="标题 1"/>
-          <p:cNvSpPr>
-            <a:spLocks noGrp="1"/>
-          </p:cNvSpPr>
-          <p:nvPr>
-            <p:ph type="title"/>
-          </p:nvPr>
-        </p:nvSpPr>
-        <p:spPr>
-          <a:xfrm>
-            <a:off x="628650" y="2766219"/>
-            <a:ext cx="7886700" cy="1325563"/>
-          </a:xfrm>
-        </p:spPr>
-        <p:txBody>
-          <a:bodyPr/>
-          <a:lstStyle/>
-          <a:p>
-            <a:pPr algn="ctr"/>
-            <a:r>
-              <a:rPr lang="en-US" altLang="zh-CN" dirty="0" smtClean="0">
-                <a:latin typeface="Times New Roman" panose="02020603050405020304" pitchFamily="18" charset="0"/>
-                <a:cs typeface="Times New Roman" panose="02020603050405020304" pitchFamily="18" charset="0"/>
-              </a:rPr>
-              <a:t>Behavior</a:t>
-            </a:r>
-            <a:endParaRPr lang="zh-CN" altLang="en-US" dirty="0">
-              <a:latin typeface="Times New Roman" panose="02020603050405020304" pitchFamily="18" charset="0"/>
-              <a:cs typeface="Times New Roman" panose="02020603050405020304" pitchFamily="18" charset="0"/>
-            </a:endParaRPr>
-          </a:p>
-        </p:txBody>
-      </p:sp>
-    </p:spTree>
-    <p:extLst>
-      <p:ext uri="{BB962C8B-B14F-4D97-AF65-F5344CB8AC3E}">
-        <p14:creationId xmlns:p14="http://schemas.microsoft.com/office/powerpoint/2010/main" val="2884176794"/>
-      </p:ext>
-    </p:extLst>
-  </p:cSld>
-  <p:clrMapOvr>
-    <a:masterClrMapping/>
-  </p:clrMapOvr>
-</p:sld>
-</file>
-
-<file path=ppt/slides/slide12.xml><?xml version="1.0" encoding="utf-8"?>
 <p:sld xmlns:a="http://schemas.openxmlformats.org/drawingml/2006/main" xmlns:r="http://schemas.openxmlformats.org/officeDocument/2006/relationships" xmlns:p="http://schemas.openxmlformats.org/presentationml/2006/main">
   <p:cSld>
     <p:bg>
@@ -4115,144 +4267,98 @@
       </p:grpSpPr>
       <p:sp>
         <p:nvSpPr>
-          <p:cNvPr id="3" name="副标题 2">
+          <p:cNvPr id="5" name="标题 1">
             <a:extLst>
               <a:ext uri="{FF2B5EF4-FFF2-40B4-BE49-F238E27FC236}">
-                <a16:creationId xmlns:a16="http://schemas.microsoft.com/office/drawing/2014/main" id="{B0A449E8-B1BB-440E-8CB2-BC01D38DC01D}"/>
+                <a16:creationId xmlns:a16="http://schemas.microsoft.com/office/drawing/2014/main" id="{9E7F9276-CB36-4D03-8899-4441C9E51EC0}"/>
               </a:ext>
             </a:extLst>
           </p:cNvPr>
-          <p:cNvSpPr>
-            <a:spLocks noGrp="1"/>
-          </p:cNvSpPr>
-          <p:nvPr>
-            <p:ph type="subTitle" idx="1"/>
-          </p:nvPr>
+          <p:cNvSpPr txBox="1">
+            <a:spLocks/>
+          </p:cNvSpPr>
+          <p:nvPr/>
         </p:nvSpPr>
         <p:spPr>
           <a:xfrm>
-            <a:off x="1651142" y="2278886"/>
-            <a:ext cx="5841717" cy="2300228"/>
+            <a:off x="886353" y="3062696"/>
+            <a:ext cx="7371295" cy="732608"/>
           </a:xfrm>
+          <a:prstGeom prst="rect">
+            <a:avLst/>
+          </a:prstGeom>
         </p:spPr>
         <p:txBody>
-          <a:bodyPr>
+          <a:bodyPr vert="horz" lIns="68580" tIns="34290" rIns="68580" bIns="34290" rtlCol="0" anchor="b">
             <a:noAutofit/>
           </a:bodyPr>
-          <a:lstStyle/>
-          <a:p>
-            <a:pPr>
+          <a:lstStyle>
+            <a:lvl1pPr algn="ctr" defTabSz="914400" rtl="0" eaLnBrk="1" latinLnBrk="0" hangingPunct="1">
               <a:lnSpc>
-                <a:spcPct val="120000"/>
+                <a:spcPct val="90000"/>
               </a:lnSpc>
+              <a:spcBef>
+                <a:spcPct val="0"/>
+              </a:spcBef>
+              <a:buNone/>
+              <a:defRPr sz="6000" kern="1200">
+                <a:solidFill>
+                  <a:schemeClr val="tx1"/>
+                </a:solidFill>
+                <a:latin typeface="+mj-lt"/>
+                <a:ea typeface="+mj-ea"/>
+                <a:cs typeface="+mj-cs"/>
+              </a:defRPr>
+            </a:lvl1pPr>
+          </a:lstStyle>
+          <a:p>
+            <a:pPr marL="0" marR="0" lvl="0" indent="0" algn="ctr" defTabSz="914400" rtl="0" eaLnBrk="1" fontAlgn="auto" latinLnBrk="0" hangingPunct="1">
+              <a:lnSpc>
+                <a:spcPct val="90000"/>
+              </a:lnSpc>
+              <a:spcBef>
+                <a:spcPct val="0"/>
+              </a:spcBef>
+              <a:spcAft>
+                <a:spcPts val="0"/>
+              </a:spcAft>
+              <a:buClrTx/>
+              <a:buSzTx/>
+              <a:buFontTx/>
+              <a:buNone/>
+              <a:tabLst/>
+              <a:defRPr/>
             </a:pPr>
             <a:r>
-              <a:rPr lang="zh-CN" altLang="en-US" sz="2800" dirty="0" smtClean="0">
+              <a:rPr kumimoji="0" lang="zh-CN" altLang="en-US" sz="4000" b="0" i="0" u="none" strike="noStrike" kern="1200" cap="none" spc="0" normalizeH="0" baseline="0" noProof="0" dirty="0" smtClean="0">
+                <a:ln>
+                  <a:noFill/>
+                </a:ln>
                 <a:solidFill>
-                  <a:schemeClr val="bg1"/>
+                  <a:prstClr val="white"/>
                 </a:solidFill>
+                <a:effectLst/>
+                <a:uLnTx/>
+                <a:uFillTx/>
                 <a:latin typeface="黑体" panose="02010609060101010101" pitchFamily="49" charset="-122"/>
                 <a:ea typeface="黑体" panose="02010609060101010101" pitchFamily="49" charset="-122"/>
                 <a:cs typeface="Times New Roman" panose="02020603050405020304" pitchFamily="18" charset="0"/>
               </a:rPr>
-              <a:t>请判断每张图片是否在今天的磁共振实验中出现过，并尽快</a:t>
-            </a:r>
-            <a:r>
-              <a:rPr lang="zh-CN" altLang="en-US" sz="2800" dirty="0">
-                <a:solidFill>
-                  <a:schemeClr val="bg1"/>
-                </a:solidFill>
-                <a:latin typeface="黑体" panose="02010609060101010101" pitchFamily="49" charset="-122"/>
-                <a:ea typeface="黑体" panose="02010609060101010101" pitchFamily="49" charset="-122"/>
-                <a:cs typeface="Times New Roman" panose="02020603050405020304" pitchFamily="18" charset="0"/>
-              </a:rPr>
-              <a:t>按键反应</a:t>
-            </a:r>
-            <a:r>
-              <a:rPr lang="zh-CN" altLang="en-US" sz="2800" dirty="0" smtClean="0">
-                <a:solidFill>
-                  <a:schemeClr val="bg1"/>
-                </a:solidFill>
-                <a:latin typeface="黑体" panose="02010609060101010101" pitchFamily="49" charset="-122"/>
-                <a:ea typeface="黑体" panose="02010609060101010101" pitchFamily="49" charset="-122"/>
-                <a:cs typeface="Times New Roman" panose="02020603050405020304" pitchFamily="18" charset="0"/>
-              </a:rPr>
-              <a:t>。出现过按左键，未出现过按</a:t>
-            </a:r>
-            <a:r>
-              <a:rPr lang="zh-CN" altLang="en-US" sz="2800" dirty="0">
-                <a:solidFill>
-                  <a:schemeClr val="bg1"/>
-                </a:solidFill>
-                <a:latin typeface="黑体" panose="02010609060101010101" pitchFamily="49" charset="-122"/>
-                <a:ea typeface="黑体" panose="02010609060101010101" pitchFamily="49" charset="-122"/>
-                <a:cs typeface="Times New Roman" panose="02020603050405020304" pitchFamily="18" charset="0"/>
-              </a:rPr>
-              <a:t>右键</a:t>
-            </a:r>
-            <a:r>
-              <a:rPr lang="zh-CN" altLang="en-US" sz="2800" dirty="0" smtClean="0">
-                <a:solidFill>
-                  <a:schemeClr val="bg1"/>
-                </a:solidFill>
-                <a:latin typeface="黑体" panose="02010609060101010101" pitchFamily="49" charset="-122"/>
-                <a:ea typeface="黑体" panose="02010609060101010101" pitchFamily="49" charset="-122"/>
-                <a:cs typeface="Times New Roman" panose="02020603050405020304" pitchFamily="18" charset="0"/>
-              </a:rPr>
-              <a:t>。</a:t>
-            </a:r>
-            <a:endParaRPr lang="en-US" altLang="zh-CN" sz="2800" dirty="0" smtClean="0">
+              <a:t>请稍事休息，后续实验马上开始。</a:t>
+            </a:r>
+            <a:endParaRPr kumimoji="0" lang="zh-CN" altLang="en-US" sz="4000" b="0" i="0" u="none" strike="noStrike" kern="1200" cap="none" spc="0" normalizeH="0" baseline="0" noProof="0" dirty="0">
+              <a:ln>
+                <a:noFill/>
+              </a:ln>
               <a:solidFill>
-                <a:schemeClr val="bg1"/>
+                <a:prstClr val="white"/>
               </a:solidFill>
+              <a:effectLst/>
+              <a:uLnTx/>
+              <a:uFillTx/>
               <a:latin typeface="黑体" panose="02010609060101010101" pitchFamily="49" charset="-122"/>
               <a:ea typeface="黑体" panose="02010609060101010101" pitchFamily="49" charset="-122"/>
-              <a:cs typeface="Times New Roman" panose="02020603050405020304" pitchFamily="18" charset="0"/>
-            </a:endParaRPr>
-          </a:p>
-          <a:p>
-            <a:pPr>
-              <a:lnSpc>
-                <a:spcPct val="120000"/>
-              </a:lnSpc>
-            </a:pPr>
-            <a:r>
-              <a:rPr lang="zh-CN" altLang="en-US" sz="2800" dirty="0" smtClean="0">
-                <a:solidFill>
-                  <a:schemeClr val="bg1"/>
-                </a:solidFill>
-                <a:latin typeface="黑体" panose="02010609060101010101" pitchFamily="49" charset="-122"/>
-                <a:ea typeface="黑体" panose="02010609060101010101" pitchFamily="49" charset="-122"/>
-              </a:rPr>
-              <a:t>准备好后按</a:t>
-            </a:r>
-            <a:r>
-              <a:rPr lang="zh-CN" altLang="en-US" sz="2800" dirty="0">
-                <a:solidFill>
-                  <a:schemeClr val="bg1"/>
-                </a:solidFill>
-                <a:latin typeface="黑体" panose="02010609060101010101" pitchFamily="49" charset="-122"/>
-                <a:ea typeface="黑体" panose="02010609060101010101" pitchFamily="49" charset="-122"/>
-              </a:rPr>
-              <a:t>左键开始实验</a:t>
-            </a:r>
-            <a:r>
-              <a:rPr lang="zh-CN" altLang="en-US" sz="2800" dirty="0" smtClean="0">
-                <a:solidFill>
-                  <a:schemeClr val="bg1"/>
-                </a:solidFill>
-                <a:latin typeface="黑体" panose="02010609060101010101" pitchFamily="49" charset="-122"/>
-                <a:ea typeface="黑体" panose="02010609060101010101" pitchFamily="49" charset="-122"/>
-              </a:rPr>
-              <a:t>。</a:t>
-            </a:r>
-            <a:endParaRPr lang="en-US" altLang="zh-CN" sz="2800" b="1" dirty="0">
-              <a:solidFill>
-                <a:schemeClr val="bg1"/>
-              </a:solidFill>
-              <a:latin typeface="黑体" panose="02010609060101010101" pitchFamily="49" charset="-122"/>
-              <a:ea typeface="黑体" panose="02010609060101010101" pitchFamily="49" charset="-122"/>
-              <a:cs typeface="Times New Roman" panose="02020603050405020304" pitchFamily="18" charset="0"/>
+              <a:cs typeface="+mj-cs"/>
             </a:endParaRPr>
           </a:p>
         </p:txBody>
@@ -4260,7 +4366,72 @@
     </p:spTree>
     <p:extLst>
       <p:ext uri="{BB962C8B-B14F-4D97-AF65-F5344CB8AC3E}">
-        <p14:creationId xmlns:p14="http://schemas.microsoft.com/office/powerpoint/2010/main" val="3439886049"/>
+        <p14:creationId xmlns:p14="http://schemas.microsoft.com/office/powerpoint/2010/main" val="155193632"/>
+      </p:ext>
+    </p:extLst>
+  </p:cSld>
+  <p:clrMapOvr>
+    <a:masterClrMapping/>
+  </p:clrMapOvr>
+</p:sld>
+</file>
+
+<file path=ppt/slides/slide12.xml><?xml version="1.0" encoding="utf-8"?>
+<p:sld xmlns:a="http://schemas.openxmlformats.org/drawingml/2006/main" xmlns:r="http://schemas.openxmlformats.org/officeDocument/2006/relationships" xmlns:p="http://schemas.openxmlformats.org/presentationml/2006/main">
+  <p:cSld>
+    <p:spTree>
+      <p:nvGrpSpPr>
+        <p:cNvPr id="1" name=""/>
+        <p:cNvGrpSpPr/>
+        <p:nvPr/>
+      </p:nvGrpSpPr>
+      <p:grpSpPr>
+        <a:xfrm>
+          <a:off x="0" y="0"/>
+          <a:ext cx="0" cy="0"/>
+          <a:chOff x="0" y="0"/>
+          <a:chExt cx="0" cy="0"/>
+        </a:xfrm>
+      </p:grpSpPr>
+      <p:sp>
+        <p:nvSpPr>
+          <p:cNvPr id="2" name="标题 1"/>
+          <p:cNvSpPr>
+            <a:spLocks noGrp="1"/>
+          </p:cNvSpPr>
+          <p:nvPr>
+            <p:ph type="title"/>
+          </p:nvPr>
+        </p:nvSpPr>
+        <p:spPr>
+          <a:xfrm>
+            <a:off x="628650" y="2766219"/>
+            <a:ext cx="7886700" cy="1325563"/>
+          </a:xfrm>
+        </p:spPr>
+        <p:txBody>
+          <a:bodyPr/>
+          <a:lstStyle/>
+          <a:p>
+            <a:pPr algn="ctr"/>
+            <a:r>
+              <a:rPr lang="en-US" altLang="zh-CN" dirty="0" smtClean="0">
+                <a:latin typeface="Times New Roman" panose="02020603050405020304" pitchFamily="18" charset="0"/>
+                <a:cs typeface="Times New Roman" panose="02020603050405020304" pitchFamily="18" charset="0"/>
+              </a:rPr>
+              <a:t>Behavior</a:t>
+            </a:r>
+            <a:endParaRPr lang="zh-CN" altLang="en-US" dirty="0">
+              <a:latin typeface="Times New Roman" panose="02020603050405020304" pitchFamily="18" charset="0"/>
+              <a:cs typeface="Times New Roman" panose="02020603050405020304" pitchFamily="18" charset="0"/>
+            </a:endParaRPr>
+          </a:p>
+        </p:txBody>
+      </p:sp>
+    </p:spTree>
+    <p:extLst>
+      <p:ext uri="{BB962C8B-B14F-4D97-AF65-F5344CB8AC3E}">
+        <p14:creationId xmlns:p14="http://schemas.microsoft.com/office/powerpoint/2010/main" val="2884176794"/>
       </p:ext>
     </p:extLst>
   </p:cSld>
@@ -4297,6 +4468,188 @@
       </p:grpSpPr>
       <p:sp>
         <p:nvSpPr>
+          <p:cNvPr id="3" name="副标题 2">
+            <a:extLst>
+              <a:ext uri="{FF2B5EF4-FFF2-40B4-BE49-F238E27FC236}">
+                <a16:creationId xmlns:a16="http://schemas.microsoft.com/office/drawing/2014/main" id="{B0A449E8-B1BB-440E-8CB2-BC01D38DC01D}"/>
+              </a:ext>
+            </a:extLst>
+          </p:cNvPr>
+          <p:cNvSpPr>
+            <a:spLocks noGrp="1"/>
+          </p:cNvSpPr>
+          <p:nvPr>
+            <p:ph type="subTitle" idx="1"/>
+          </p:nvPr>
+        </p:nvSpPr>
+        <p:spPr>
+          <a:xfrm>
+            <a:off x="1651142" y="2278886"/>
+            <a:ext cx="5841717" cy="2300228"/>
+          </a:xfrm>
+        </p:spPr>
+        <p:txBody>
+          <a:bodyPr>
+            <a:noAutofit/>
+          </a:bodyPr>
+          <a:lstStyle/>
+          <a:p>
+            <a:pPr>
+              <a:lnSpc>
+                <a:spcPct val="120000"/>
+              </a:lnSpc>
+            </a:pPr>
+            <a:r>
+              <a:rPr lang="zh-CN" altLang="en-US" sz="2800" dirty="0" smtClean="0">
+                <a:solidFill>
+                  <a:schemeClr val="bg1"/>
+                </a:solidFill>
+                <a:latin typeface="黑体" panose="02010609060101010101" pitchFamily="49" charset="-122"/>
+                <a:ea typeface="黑体" panose="02010609060101010101" pitchFamily="49" charset="-122"/>
+                <a:cs typeface="Times New Roman" panose="02020603050405020304" pitchFamily="18" charset="0"/>
+              </a:rPr>
+              <a:t>请判断每张图片是否在今天的磁共振实验中出现过，并尽快</a:t>
+            </a:r>
+            <a:r>
+              <a:rPr lang="zh-CN" altLang="en-US" sz="2800" dirty="0">
+                <a:solidFill>
+                  <a:schemeClr val="bg1"/>
+                </a:solidFill>
+                <a:latin typeface="黑体" panose="02010609060101010101" pitchFamily="49" charset="-122"/>
+                <a:ea typeface="黑体" panose="02010609060101010101" pitchFamily="49" charset="-122"/>
+                <a:cs typeface="Times New Roman" panose="02020603050405020304" pitchFamily="18" charset="0"/>
+              </a:rPr>
+              <a:t>按键反应</a:t>
+            </a:r>
+            <a:r>
+              <a:rPr lang="zh-CN" altLang="en-US" sz="2800" dirty="0" smtClean="0">
+                <a:solidFill>
+                  <a:schemeClr val="bg1"/>
+                </a:solidFill>
+                <a:latin typeface="黑体" panose="02010609060101010101" pitchFamily="49" charset="-122"/>
+                <a:ea typeface="黑体" panose="02010609060101010101" pitchFamily="49" charset="-122"/>
+                <a:cs typeface="Times New Roman" panose="02020603050405020304" pitchFamily="18" charset="0"/>
+              </a:rPr>
+              <a:t>。出现过按左键，未出现过按</a:t>
+            </a:r>
+            <a:r>
+              <a:rPr lang="zh-CN" altLang="en-US" sz="2800" dirty="0">
+                <a:solidFill>
+                  <a:schemeClr val="bg1"/>
+                </a:solidFill>
+                <a:latin typeface="黑体" panose="02010609060101010101" pitchFamily="49" charset="-122"/>
+                <a:ea typeface="黑体" panose="02010609060101010101" pitchFamily="49" charset="-122"/>
+                <a:cs typeface="Times New Roman" panose="02020603050405020304" pitchFamily="18" charset="0"/>
+              </a:rPr>
+              <a:t>右键</a:t>
+            </a:r>
+            <a:r>
+              <a:rPr lang="zh-CN" altLang="en-US" sz="2800" dirty="0" smtClean="0">
+                <a:solidFill>
+                  <a:schemeClr val="bg1"/>
+                </a:solidFill>
+                <a:latin typeface="黑体" panose="02010609060101010101" pitchFamily="49" charset="-122"/>
+                <a:ea typeface="黑体" panose="02010609060101010101" pitchFamily="49" charset="-122"/>
+                <a:cs typeface="Times New Roman" panose="02020603050405020304" pitchFamily="18" charset="0"/>
+              </a:rPr>
+              <a:t>。</a:t>
+            </a:r>
+            <a:endParaRPr lang="en-US" altLang="zh-CN" sz="2800" dirty="0" smtClean="0">
+              <a:solidFill>
+                <a:schemeClr val="bg1"/>
+              </a:solidFill>
+              <a:latin typeface="黑体" panose="02010609060101010101" pitchFamily="49" charset="-122"/>
+              <a:ea typeface="黑体" panose="02010609060101010101" pitchFamily="49" charset="-122"/>
+              <a:cs typeface="Times New Roman" panose="02020603050405020304" pitchFamily="18" charset="0"/>
+            </a:endParaRPr>
+          </a:p>
+          <a:p>
+            <a:pPr>
+              <a:lnSpc>
+                <a:spcPct val="120000"/>
+              </a:lnSpc>
+            </a:pPr>
+            <a:r>
+              <a:rPr lang="zh-CN" altLang="en-US" sz="2800" dirty="0" smtClean="0">
+                <a:solidFill>
+                  <a:schemeClr val="bg1"/>
+                </a:solidFill>
+                <a:latin typeface="黑体" panose="02010609060101010101" pitchFamily="49" charset="-122"/>
+                <a:ea typeface="黑体" panose="02010609060101010101" pitchFamily="49" charset="-122"/>
+              </a:rPr>
+              <a:t>准备好后按</a:t>
+            </a:r>
+            <a:r>
+              <a:rPr lang="zh-CN" altLang="en-US" sz="2800" dirty="0">
+                <a:solidFill>
+                  <a:schemeClr val="bg1"/>
+                </a:solidFill>
+                <a:latin typeface="黑体" panose="02010609060101010101" pitchFamily="49" charset="-122"/>
+                <a:ea typeface="黑体" panose="02010609060101010101" pitchFamily="49" charset="-122"/>
+              </a:rPr>
+              <a:t>左键开始实验</a:t>
+            </a:r>
+            <a:r>
+              <a:rPr lang="zh-CN" altLang="en-US" sz="2800" dirty="0" smtClean="0">
+                <a:solidFill>
+                  <a:schemeClr val="bg1"/>
+                </a:solidFill>
+                <a:latin typeface="黑体" panose="02010609060101010101" pitchFamily="49" charset="-122"/>
+                <a:ea typeface="黑体" panose="02010609060101010101" pitchFamily="49" charset="-122"/>
+              </a:rPr>
+              <a:t>。</a:t>
+            </a:r>
+            <a:endParaRPr lang="en-US" altLang="zh-CN" sz="2800" b="1" dirty="0">
+              <a:solidFill>
+                <a:schemeClr val="bg1"/>
+              </a:solidFill>
+              <a:latin typeface="黑体" panose="02010609060101010101" pitchFamily="49" charset="-122"/>
+              <a:ea typeface="黑体" panose="02010609060101010101" pitchFamily="49" charset="-122"/>
+              <a:cs typeface="Times New Roman" panose="02020603050405020304" pitchFamily="18" charset="0"/>
+            </a:endParaRPr>
+          </a:p>
+        </p:txBody>
+      </p:sp>
+    </p:spTree>
+    <p:extLst>
+      <p:ext uri="{BB962C8B-B14F-4D97-AF65-F5344CB8AC3E}">
+        <p14:creationId xmlns:p14="http://schemas.microsoft.com/office/powerpoint/2010/main" val="3439886049"/>
+      </p:ext>
+    </p:extLst>
+  </p:cSld>
+  <p:clrMapOvr>
+    <a:masterClrMapping/>
+  </p:clrMapOvr>
+</p:sld>
+</file>
+
+<file path=ppt/slides/slide14.xml><?xml version="1.0" encoding="utf-8"?>
+<p:sld xmlns:a="http://schemas.openxmlformats.org/drawingml/2006/main" xmlns:r="http://schemas.openxmlformats.org/officeDocument/2006/relationships" xmlns:p="http://schemas.openxmlformats.org/presentationml/2006/main">
+  <p:cSld>
+    <p:bg>
+      <p:bgPr>
+        <a:solidFill>
+          <a:srgbClr val="7C7468"/>
+        </a:solidFill>
+        <a:effectLst/>
+      </p:bgPr>
+    </p:bg>
+    <p:spTree>
+      <p:nvGrpSpPr>
+        <p:cNvPr id="1" name=""/>
+        <p:cNvGrpSpPr/>
+        <p:nvPr/>
+      </p:nvGrpSpPr>
+      <p:grpSpPr>
+        <a:xfrm>
+          <a:off x="0" y="0"/>
+          <a:ext cx="0" cy="0"/>
+          <a:chOff x="0" y="0"/>
+          <a:chExt cx="0" cy="0"/>
+        </a:xfrm>
+      </p:grpSpPr>
+      <p:sp>
+        <p:nvSpPr>
           <p:cNvPr id="5" name="标题 1">
             <a:extLst>
               <a:ext uri="{FF2B5EF4-FFF2-40B4-BE49-F238E27FC236}">
@@ -4433,6 +4786,252 @@
             <p:ph type="title"/>
           </p:nvPr>
         </p:nvSpPr>
+        <p:spPr/>
+        <p:txBody>
+          <a:bodyPr/>
+          <a:lstStyle/>
+          <a:p>
+            <a:pPr algn="ctr"/>
+            <a:r>
+              <a:rPr lang="en-US" altLang="zh-CN" dirty="0" smtClean="0">
+                <a:latin typeface="Times New Roman" panose="02020603050405020304" pitchFamily="18" charset="0"/>
+                <a:ea typeface="黑体" panose="02010609060101010101" pitchFamily="49" charset="-122"/>
+                <a:cs typeface="Times New Roman" panose="02020603050405020304" pitchFamily="18" charset="0"/>
+              </a:rPr>
+              <a:t>MRI</a:t>
+            </a:r>
+            <a:r>
+              <a:rPr lang="zh-CN" altLang="en-US" dirty="0" smtClean="0">
+                <a:latin typeface="Times New Roman" panose="02020603050405020304" pitchFamily="18" charset="0"/>
+                <a:ea typeface="黑体" panose="02010609060101010101" pitchFamily="49" charset="-122"/>
+                <a:cs typeface="Times New Roman" panose="02020603050405020304" pitchFamily="18" charset="0"/>
+              </a:rPr>
+              <a:t>注意事项</a:t>
+            </a:r>
+            <a:endParaRPr lang="zh-CN" altLang="en-US" dirty="0">
+              <a:latin typeface="Times New Roman" panose="02020603050405020304" pitchFamily="18" charset="0"/>
+              <a:ea typeface="黑体" panose="02010609060101010101" pitchFamily="49" charset="-122"/>
+              <a:cs typeface="Times New Roman" panose="02020603050405020304" pitchFamily="18" charset="0"/>
+            </a:endParaRPr>
+          </a:p>
+        </p:txBody>
+      </p:sp>
+      <p:sp>
+        <p:nvSpPr>
+          <p:cNvPr id="3" name="内容占位符 2"/>
+          <p:cNvSpPr>
+            <a:spLocks noGrp="1"/>
+          </p:cNvSpPr>
+          <p:nvPr>
+            <p:ph idx="1"/>
+          </p:nvPr>
+        </p:nvSpPr>
+        <p:spPr/>
+        <p:txBody>
+          <a:bodyPr>
+            <a:normAutofit lnSpcReduction="10000"/>
+          </a:bodyPr>
+          <a:lstStyle/>
+          <a:p>
+            <a:r>
+              <a:rPr lang="zh-CN" altLang="en-US" dirty="0" smtClean="0">
+                <a:latin typeface="Times New Roman" panose="02020603050405020304" pitchFamily="18" charset="0"/>
+                <a:ea typeface="黑体" panose="02010609060101010101" pitchFamily="49" charset="-122"/>
+                <a:cs typeface="Times New Roman" panose="02020603050405020304" pitchFamily="18" charset="0"/>
+              </a:rPr>
+              <a:t>扫描时间比较长</a:t>
+            </a:r>
+            <a:r>
+              <a:rPr lang="zh-CN" altLang="en-US" dirty="0">
+                <a:latin typeface="Times New Roman" panose="02020603050405020304" pitchFamily="18" charset="0"/>
+                <a:ea typeface="黑体" panose="02010609060101010101" pitchFamily="49" charset="-122"/>
+                <a:cs typeface="Times New Roman" panose="02020603050405020304" pitchFamily="18" charset="0"/>
+              </a:rPr>
+              <a:t>，</a:t>
+            </a:r>
+            <a:r>
+              <a:rPr lang="zh-CN" altLang="en-US" dirty="0" smtClean="0">
+                <a:latin typeface="Times New Roman" panose="02020603050405020304" pitchFamily="18" charset="0"/>
+                <a:ea typeface="黑体" panose="02010609060101010101" pitchFamily="49" charset="-122"/>
+                <a:cs typeface="Times New Roman" panose="02020603050405020304" pitchFamily="18" charset="0"/>
+              </a:rPr>
+              <a:t>进去后一定调整好姿势，躺舒服。只要没开始扫描，都可以调整，别着急。一旦开始扫描就不能调整了。</a:t>
+            </a:r>
+            <a:endParaRPr lang="en-US" altLang="zh-CN" dirty="0" smtClean="0">
+              <a:latin typeface="Times New Roman" panose="02020603050405020304" pitchFamily="18" charset="0"/>
+              <a:ea typeface="黑体" panose="02010609060101010101" pitchFamily="49" charset="-122"/>
+              <a:cs typeface="Times New Roman" panose="02020603050405020304" pitchFamily="18" charset="0"/>
+            </a:endParaRPr>
+          </a:p>
+          <a:p>
+            <a:r>
+              <a:rPr lang="zh-CN" altLang="en-US" dirty="0" smtClean="0">
+                <a:latin typeface="Times New Roman" panose="02020603050405020304" pitchFamily="18" charset="0"/>
+                <a:ea typeface="黑体" panose="02010609060101010101" pitchFamily="49" charset="-122"/>
+                <a:cs typeface="Times New Roman" panose="02020603050405020304" pitchFamily="18" charset="0"/>
+              </a:rPr>
+              <a:t>扫描中，一定不能头动。</a:t>
+            </a:r>
+            <a:endParaRPr lang="en-US" altLang="zh-CN" dirty="0" smtClean="0">
+              <a:latin typeface="Times New Roman" panose="02020603050405020304" pitchFamily="18" charset="0"/>
+              <a:ea typeface="黑体" panose="02010609060101010101" pitchFamily="49" charset="-122"/>
+              <a:cs typeface="Times New Roman" panose="02020603050405020304" pitchFamily="18" charset="0"/>
+            </a:endParaRPr>
+          </a:p>
+          <a:p>
+            <a:r>
+              <a:rPr lang="zh-CN" altLang="en-US" dirty="0">
+                <a:latin typeface="Times New Roman" panose="02020603050405020304" pitchFamily="18" charset="0"/>
+                <a:ea typeface="黑体" panose="02010609060101010101" pitchFamily="49" charset="-122"/>
+                <a:cs typeface="Times New Roman" panose="02020603050405020304" pitchFamily="18" charset="0"/>
+              </a:rPr>
+              <a:t>扫描中</a:t>
+            </a:r>
+            <a:r>
+              <a:rPr lang="zh-CN" altLang="en-US" dirty="0" smtClean="0">
+                <a:latin typeface="Times New Roman" panose="02020603050405020304" pitchFamily="18" charset="0"/>
+                <a:ea typeface="黑体" panose="02010609060101010101" pitchFamily="49" charset="-122"/>
+                <a:cs typeface="Times New Roman" panose="02020603050405020304" pitchFamily="18" charset="0"/>
+              </a:rPr>
+              <a:t>，保持注视中央圆点，不要转动扫视。</a:t>
+            </a:r>
+            <a:endParaRPr lang="en-US" altLang="zh-CN" dirty="0" smtClean="0">
+              <a:latin typeface="Times New Roman" panose="02020603050405020304" pitchFamily="18" charset="0"/>
+              <a:ea typeface="黑体" panose="02010609060101010101" pitchFamily="49" charset="-122"/>
+              <a:cs typeface="Times New Roman" panose="02020603050405020304" pitchFamily="18" charset="0"/>
+            </a:endParaRPr>
+          </a:p>
+          <a:p>
+            <a:r>
+              <a:rPr lang="zh-CN" altLang="en-US" dirty="0" smtClean="0">
+                <a:latin typeface="Times New Roman" panose="02020603050405020304" pitchFamily="18" charset="0"/>
+                <a:ea typeface="黑体" panose="02010609060101010101" pitchFamily="49" charset="-122"/>
+                <a:cs typeface="Times New Roman" panose="02020603050405020304" pitchFamily="18" charset="0"/>
+              </a:rPr>
+              <a:t>扫描间隙，可以稍微休息，但头和身体也不要大幅运动</a:t>
+            </a:r>
+            <a:r>
+              <a:rPr lang="en-US" altLang="zh-CN" dirty="0" smtClean="0">
+                <a:latin typeface="Times New Roman" panose="02020603050405020304" pitchFamily="18" charset="0"/>
+                <a:ea typeface="黑体" panose="02010609060101010101" pitchFamily="49" charset="-122"/>
+                <a:cs typeface="Times New Roman" panose="02020603050405020304" pitchFamily="18" charset="0"/>
+              </a:rPr>
+              <a:t>(&lt;1</a:t>
+            </a:r>
+            <a:r>
+              <a:rPr lang="zh-CN" altLang="en-US" dirty="0" smtClean="0">
+                <a:latin typeface="Times New Roman" panose="02020603050405020304" pitchFamily="18" charset="0"/>
+                <a:ea typeface="黑体" panose="02010609060101010101" pitchFamily="49" charset="-122"/>
+                <a:cs typeface="Times New Roman" panose="02020603050405020304" pitchFamily="18" charset="0"/>
+              </a:rPr>
+              <a:t>厘米</a:t>
+            </a:r>
+            <a:r>
+              <a:rPr lang="en-US" altLang="zh-CN" dirty="0" smtClean="0">
+                <a:latin typeface="Times New Roman" panose="02020603050405020304" pitchFamily="18" charset="0"/>
+                <a:ea typeface="黑体" panose="02010609060101010101" pitchFamily="49" charset="-122"/>
+                <a:cs typeface="Times New Roman" panose="02020603050405020304" pitchFamily="18" charset="0"/>
+              </a:rPr>
+              <a:t>)</a:t>
+            </a:r>
+            <a:r>
+              <a:rPr lang="zh-CN" altLang="en-US" dirty="0" smtClean="0">
+                <a:latin typeface="Times New Roman" panose="02020603050405020304" pitchFamily="18" charset="0"/>
+                <a:ea typeface="黑体" panose="02010609060101010101" pitchFamily="49" charset="-122"/>
+                <a:cs typeface="Times New Roman" panose="02020603050405020304" pitchFamily="18" charset="0"/>
+              </a:rPr>
+              <a:t>。如果状态可以就尽快开始下边实验，休息越长在里边待的时间越长。</a:t>
+            </a:r>
+            <a:endParaRPr lang="en-US" altLang="zh-CN" dirty="0" smtClean="0">
+              <a:latin typeface="Times New Roman" panose="02020603050405020304" pitchFamily="18" charset="0"/>
+              <a:ea typeface="黑体" panose="02010609060101010101" pitchFamily="49" charset="-122"/>
+              <a:cs typeface="Times New Roman" panose="02020603050405020304" pitchFamily="18" charset="0"/>
+            </a:endParaRPr>
+          </a:p>
+          <a:p>
+            <a:r>
+              <a:rPr lang="zh-CN" altLang="en-US" dirty="0" smtClean="0">
+                <a:latin typeface="Times New Roman" panose="02020603050405020304" pitchFamily="18" charset="0"/>
+                <a:ea typeface="黑体" panose="02010609060101010101" pitchFamily="49" charset="-122"/>
+                <a:cs typeface="Times New Roman" panose="02020603050405020304" pitchFamily="18" charset="0"/>
+              </a:rPr>
+              <a:t>保持嘴巴闭合，口水尽量在扫描间隙吞咽。</a:t>
+            </a:r>
+            <a:endParaRPr lang="en-US" altLang="zh-CN" dirty="0">
+              <a:latin typeface="Times New Roman" panose="02020603050405020304" pitchFamily="18" charset="0"/>
+              <a:ea typeface="黑体" panose="02010609060101010101" pitchFamily="49" charset="-122"/>
+              <a:cs typeface="Times New Roman" panose="02020603050405020304" pitchFamily="18" charset="0"/>
+            </a:endParaRPr>
+          </a:p>
+          <a:p>
+            <a:r>
+              <a:rPr lang="zh-CN" altLang="en-US" dirty="0">
+                <a:latin typeface="Times New Roman" panose="02020603050405020304" pitchFamily="18" charset="0"/>
+                <a:ea typeface="黑体" panose="02010609060101010101" pitchFamily="49" charset="-122"/>
+                <a:cs typeface="Times New Roman" panose="02020603050405020304" pitchFamily="18" charset="0"/>
+              </a:rPr>
+              <a:t>实在无法坚持，可以随时要求退出</a:t>
+            </a:r>
+            <a:r>
+              <a:rPr lang="zh-CN" altLang="en-US" dirty="0">
+                <a:latin typeface="黑体" panose="02010609060101010101" pitchFamily="49" charset="-122"/>
+                <a:ea typeface="黑体" panose="02010609060101010101" pitchFamily="49" charset="-122"/>
+              </a:rPr>
+              <a:t>。</a:t>
+            </a:r>
+            <a:endParaRPr lang="en-US" altLang="zh-CN" dirty="0">
+              <a:latin typeface="黑体" panose="02010609060101010101" pitchFamily="49" charset="-122"/>
+              <a:ea typeface="黑体" panose="02010609060101010101" pitchFamily="49" charset="-122"/>
+            </a:endParaRPr>
+          </a:p>
+          <a:p>
+            <a:endParaRPr lang="zh-CN" altLang="en-US" dirty="0">
+              <a:latin typeface="黑体" panose="02010609060101010101" pitchFamily="49" charset="-122"/>
+              <a:ea typeface="黑体" panose="02010609060101010101" pitchFamily="49" charset="-122"/>
+            </a:endParaRPr>
+          </a:p>
+        </p:txBody>
+      </p:sp>
+    </p:spTree>
+    <p:extLst>
+      <p:ext uri="{BB962C8B-B14F-4D97-AF65-F5344CB8AC3E}">
+        <p14:creationId xmlns:p14="http://schemas.microsoft.com/office/powerpoint/2010/main" val="2554170815"/>
+      </p:ext>
+    </p:extLst>
+  </p:cSld>
+  <p:clrMapOvr>
+    <a:masterClrMapping/>
+  </p:clrMapOvr>
+</p:sld>
+</file>
+
+<file path=ppt/slides/slide3.xml><?xml version="1.0" encoding="utf-8"?>
+<p:sld xmlns:a="http://schemas.openxmlformats.org/drawingml/2006/main" xmlns:r="http://schemas.openxmlformats.org/officeDocument/2006/relationships" xmlns:p="http://schemas.openxmlformats.org/presentationml/2006/main">
+  <p:cSld>
+    <p:spTree>
+      <p:nvGrpSpPr>
+        <p:cNvPr id="1" name=""/>
+        <p:cNvGrpSpPr/>
+        <p:nvPr/>
+      </p:nvGrpSpPr>
+      <p:grpSpPr>
+        <a:xfrm>
+          <a:off x="0" y="0"/>
+          <a:ext cx="0" cy="0"/>
+          <a:chOff x="0" y="0"/>
+          <a:chExt cx="0" cy="0"/>
+        </a:xfrm>
+      </p:grpSpPr>
+      <p:sp>
+        <p:nvSpPr>
+          <p:cNvPr id="2" name="标题 1"/>
+          <p:cNvSpPr>
+            <a:spLocks noGrp="1"/>
+          </p:cNvSpPr>
+          <p:nvPr>
+            <p:ph type="title"/>
+          </p:nvPr>
+        </p:nvSpPr>
         <p:spPr>
           <a:xfrm>
             <a:off x="628650" y="2766219"/>
@@ -4471,7 +5070,7 @@
 </p:sld>
 </file>
 
-<file path=ppt/slides/slide3.xml><?xml version="1.0" encoding="utf-8"?>
+<file path=ppt/slides/slide4.xml><?xml version="1.0" encoding="utf-8"?>
 <p:sld xmlns:a="http://schemas.openxmlformats.org/drawingml/2006/main" xmlns:r="http://schemas.openxmlformats.org/officeDocument/2006/relationships" xmlns:p="http://schemas.openxmlformats.org/presentationml/2006/main">
   <p:cSld>
     <p:bg>
@@ -4745,7 +5344,7 @@
 </p:sld>
 </file>
 
-<file path=ppt/slides/slide4.xml><?xml version="1.0" encoding="utf-8"?>
+<file path=ppt/slides/slide5.xml><?xml version="1.0" encoding="utf-8"?>
 <p:sld xmlns:a="http://schemas.openxmlformats.org/drawingml/2006/main" xmlns:r="http://schemas.openxmlformats.org/officeDocument/2006/relationships" xmlns:p="http://schemas.openxmlformats.org/presentationml/2006/main">
   <p:cSld>
     <p:bg>
@@ -4892,7 +5491,7 @@
 </p:sld>
 </file>
 
-<file path=ppt/slides/slide5.xml><?xml version="1.0" encoding="utf-8"?>
+<file path=ppt/slides/slide6.xml><?xml version="1.0" encoding="utf-8"?>
 <p:sld xmlns:a="http://schemas.openxmlformats.org/drawingml/2006/main" xmlns:r="http://schemas.openxmlformats.org/officeDocument/2006/relationships" xmlns:p="http://schemas.openxmlformats.org/presentationml/2006/main">
   <p:cSld>
     <p:bg>
@@ -5000,93 +5599,6 @@
     <p:extLst>
       <p:ext uri="{BB962C8B-B14F-4D97-AF65-F5344CB8AC3E}">
         <p14:creationId xmlns:p14="http://schemas.microsoft.com/office/powerpoint/2010/main" val="654427450"/>
-      </p:ext>
-    </p:extLst>
-  </p:cSld>
-  <p:clrMapOvr>
-    <a:masterClrMapping/>
-  </p:clrMapOvr>
-  <p:timing>
-    <p:tnLst>
-      <p:par>
-        <p:cTn id="1" dur="indefinite" restart="never" nodeType="tmRoot"/>
-      </p:par>
-    </p:tnLst>
-  </p:timing>
-</p:sld>
-</file>
-
-<file path=ppt/slides/slide6.xml><?xml version="1.0" encoding="utf-8"?>
-<p:sld xmlns:a="http://schemas.openxmlformats.org/drawingml/2006/main" xmlns:r="http://schemas.openxmlformats.org/officeDocument/2006/relationships" xmlns:p="http://schemas.openxmlformats.org/presentationml/2006/main">
-  <p:cSld>
-    <p:bg>
-      <p:bgPr>
-        <a:solidFill>
-          <a:srgbClr val="7C7468"/>
-        </a:solidFill>
-        <a:effectLst/>
-      </p:bgPr>
-    </p:bg>
-    <p:spTree>
-      <p:nvGrpSpPr>
-        <p:cNvPr id="1" name=""/>
-        <p:cNvGrpSpPr/>
-        <p:nvPr/>
-      </p:nvGrpSpPr>
-      <p:grpSpPr>
-        <a:xfrm>
-          <a:off x="0" y="0"/>
-          <a:ext cx="0" cy="0"/>
-          <a:chOff x="0" y="0"/>
-          <a:chExt cx="0" cy="0"/>
-        </a:xfrm>
-      </p:grpSpPr>
-      <p:sp>
-        <p:nvSpPr>
-          <p:cNvPr id="4" name="文本框 3"/>
-          <p:cNvSpPr txBox="1"/>
-          <p:nvPr/>
-        </p:nvSpPr>
-        <p:spPr>
-          <a:xfrm>
-            <a:off x="1786622" y="3167390"/>
-            <a:ext cx="5570756" cy="523220"/>
-          </a:xfrm>
-          <a:prstGeom prst="rect">
-            <a:avLst/>
-          </a:prstGeom>
-          <a:noFill/>
-        </p:spPr>
-        <p:txBody>
-          <a:bodyPr wrap="none" rtlCol="0">
-            <a:spAutoFit/>
-          </a:bodyPr>
-          <a:lstStyle/>
-          <a:p>
-            <a:r>
-              <a:rPr lang="zh-CN" altLang="en-US" sz="2800" dirty="0" smtClean="0">
-                <a:solidFill>
-                  <a:schemeClr val="bg1"/>
-                </a:solidFill>
-                <a:latin typeface="黑体" panose="02010609060101010101" pitchFamily="49" charset="-122"/>
-                <a:ea typeface="黑体" panose="02010609060101010101" pitchFamily="49" charset="-122"/>
-              </a:rPr>
-              <a:t>依次类推，后续会出现一系列图片</a:t>
-            </a:r>
-            <a:endParaRPr lang="zh-CN" altLang="en-US" sz="2800" dirty="0">
-              <a:solidFill>
-                <a:schemeClr val="bg1"/>
-              </a:solidFill>
-              <a:latin typeface="黑体" panose="02010609060101010101" pitchFamily="49" charset="-122"/>
-              <a:ea typeface="黑体" panose="02010609060101010101" pitchFamily="49" charset="-122"/>
-            </a:endParaRPr>
-          </a:p>
-        </p:txBody>
-      </p:sp>
-    </p:spTree>
-    <p:extLst>
-      <p:ext uri="{BB962C8B-B14F-4D97-AF65-F5344CB8AC3E}">
-        <p14:creationId xmlns:p14="http://schemas.microsoft.com/office/powerpoint/2010/main" val="4166418244"/>
       </p:ext>
     </p:extLst>
   </p:cSld>
@@ -5130,63 +5642,37 @@
       </p:grpSpPr>
       <p:sp>
         <p:nvSpPr>
-          <p:cNvPr id="5" name="标题 1">
-            <a:extLst>
-              <a:ext uri="{FF2B5EF4-FFF2-40B4-BE49-F238E27FC236}">
-                <a16:creationId xmlns:a16="http://schemas.microsoft.com/office/drawing/2014/main" id="{9E7F9276-CB36-4D03-8899-4441C9E51EC0}"/>
-              </a:ext>
-            </a:extLst>
-          </p:cNvPr>
-          <p:cNvSpPr txBox="1">
-            <a:spLocks/>
-          </p:cNvSpPr>
+          <p:cNvPr id="4" name="文本框 3"/>
+          <p:cNvSpPr txBox="1"/>
           <p:nvPr/>
         </p:nvSpPr>
         <p:spPr>
           <a:xfrm>
-            <a:off x="886353" y="3062696"/>
-            <a:ext cx="7371295" cy="732608"/>
+            <a:off x="1786622" y="3167390"/>
+            <a:ext cx="5570756" cy="523220"/>
           </a:xfrm>
           <a:prstGeom prst="rect">
             <a:avLst/>
           </a:prstGeom>
+          <a:noFill/>
         </p:spPr>
         <p:txBody>
-          <a:bodyPr vert="horz" lIns="68580" tIns="34290" rIns="68580" bIns="34290" rtlCol="0" anchor="b">
-            <a:noAutofit/>
+          <a:bodyPr wrap="none" rtlCol="0">
+            <a:spAutoFit/>
           </a:bodyPr>
-          <a:lstStyle>
-            <a:lvl1pPr algn="ctr" defTabSz="914400" rtl="0" eaLnBrk="1" latinLnBrk="0" hangingPunct="1">
-              <a:lnSpc>
-                <a:spcPct val="90000"/>
-              </a:lnSpc>
-              <a:spcBef>
-                <a:spcPct val="0"/>
-              </a:spcBef>
-              <a:buNone/>
-              <a:defRPr sz="6000" kern="1200">
-                <a:solidFill>
-                  <a:schemeClr val="tx1"/>
-                </a:solidFill>
-                <a:latin typeface="+mj-lt"/>
-                <a:ea typeface="+mj-ea"/>
-                <a:cs typeface="+mj-cs"/>
-              </a:defRPr>
-            </a:lvl1pPr>
-          </a:lstStyle>
-          <a:p>
-            <a:r>
-              <a:rPr lang="zh-CN" altLang="en-US" sz="4000" dirty="0" smtClean="0">
+          <a:lstStyle/>
+          <a:p>
+            <a:r>
+              <a:rPr lang="zh-CN" altLang="en-US" sz="2800" dirty="0" smtClean="0">
                 <a:solidFill>
                   <a:schemeClr val="bg1"/>
                 </a:solidFill>
                 <a:latin typeface="黑体" panose="02010609060101010101" pitchFamily="49" charset="-122"/>
                 <a:ea typeface="黑体" panose="02010609060101010101" pitchFamily="49" charset="-122"/>
-                <a:cs typeface="Times New Roman" panose="02020603050405020304" pitchFamily="18" charset="0"/>
               </a:rPr>
-              <a:t>请稍事休息，后续实验马上开始。</a:t>
-            </a:r>
-            <a:endParaRPr lang="zh-CN" altLang="en-US" sz="4000" dirty="0">
+              <a:t>依次类推，后续会出现一系列图片</a:t>
+            </a:r>
+            <a:endParaRPr lang="zh-CN" altLang="en-US" sz="2800" dirty="0">
               <a:solidFill>
                 <a:schemeClr val="bg1"/>
               </a:solidFill>
@@ -5199,96 +5685,24 @@
     </p:spTree>
     <p:extLst>
       <p:ext uri="{BB962C8B-B14F-4D97-AF65-F5344CB8AC3E}">
-        <p14:creationId xmlns:p14="http://schemas.microsoft.com/office/powerpoint/2010/main" val="3095078492"/>
+        <p14:creationId xmlns:p14="http://schemas.microsoft.com/office/powerpoint/2010/main" val="4166418244"/>
       </p:ext>
     </p:extLst>
   </p:cSld>
   <p:clrMapOvr>
     <a:masterClrMapping/>
   </p:clrMapOvr>
+  <p:timing>
+    <p:tnLst>
+      <p:par>
+        <p:cTn id="1" dur="indefinite" restart="never" nodeType="tmRoot"/>
+      </p:par>
+    </p:tnLst>
+  </p:timing>
 </p:sld>
 </file>
 
 <file path=ppt/slides/slide8.xml><?xml version="1.0" encoding="utf-8"?>
-<p:sld xmlns:a="http://schemas.openxmlformats.org/drawingml/2006/main" xmlns:r="http://schemas.openxmlformats.org/officeDocument/2006/relationships" xmlns:p="http://schemas.openxmlformats.org/presentationml/2006/main">
-  <p:cSld>
-    <p:spTree>
-      <p:nvGrpSpPr>
-        <p:cNvPr id="1" name=""/>
-        <p:cNvGrpSpPr/>
-        <p:nvPr/>
-      </p:nvGrpSpPr>
-      <p:grpSpPr>
-        <a:xfrm>
-          <a:off x="0" y="0"/>
-          <a:ext cx="0" cy="0"/>
-          <a:chOff x="0" y="0"/>
-          <a:chExt cx="0" cy="0"/>
-        </a:xfrm>
-      </p:grpSpPr>
-      <p:sp>
-        <p:nvSpPr>
-          <p:cNvPr id="2" name="标题 1"/>
-          <p:cNvSpPr>
-            <a:spLocks noGrp="1"/>
-          </p:cNvSpPr>
-          <p:nvPr>
-            <p:ph type="title"/>
-          </p:nvPr>
-        </p:nvSpPr>
-        <p:spPr>
-          <a:xfrm>
-            <a:off x="628650" y="2766219"/>
-            <a:ext cx="7886700" cy="1325563"/>
-          </a:xfrm>
-        </p:spPr>
-        <p:txBody>
-          <a:bodyPr/>
-          <a:lstStyle/>
-          <a:p>
-            <a:pPr algn="ctr"/>
-            <a:r>
-              <a:rPr lang="en-US" altLang="zh-CN" dirty="0" smtClean="0">
-                <a:latin typeface="Times New Roman" panose="02020603050405020304" pitchFamily="18" charset="0"/>
-                <a:cs typeface="Times New Roman" panose="02020603050405020304" pitchFamily="18" charset="0"/>
-              </a:rPr>
-              <a:t>Test </a:t>
-            </a:r>
-            <a:r>
-              <a:rPr lang="en-US" altLang="zh-CN" dirty="0">
-                <a:latin typeface="Times New Roman" panose="02020603050405020304" pitchFamily="18" charset="0"/>
-                <a:cs typeface="Times New Roman" panose="02020603050405020304" pitchFamily="18" charset="0"/>
-              </a:rPr>
-              <a:t>s</a:t>
-            </a:r>
-            <a:r>
-              <a:rPr lang="en-US" altLang="zh-CN" dirty="0" smtClean="0">
-                <a:latin typeface="Times New Roman" panose="02020603050405020304" pitchFamily="18" charset="0"/>
-                <a:cs typeface="Times New Roman" panose="02020603050405020304" pitchFamily="18" charset="0"/>
-              </a:rPr>
-              <a:t>et</a:t>
-            </a:r>
-            <a:endParaRPr lang="zh-CN" altLang="en-US" dirty="0">
-              <a:latin typeface="Times New Roman" panose="02020603050405020304" pitchFamily="18" charset="0"/>
-              <a:cs typeface="Times New Roman" panose="02020603050405020304" pitchFamily="18" charset="0"/>
-            </a:endParaRPr>
-          </a:p>
-        </p:txBody>
-      </p:sp>
-    </p:spTree>
-    <p:extLst>
-      <p:ext uri="{BB962C8B-B14F-4D97-AF65-F5344CB8AC3E}">
-        <p14:creationId xmlns:p14="http://schemas.microsoft.com/office/powerpoint/2010/main" val="2445096982"/>
-      </p:ext>
-    </p:extLst>
-  </p:cSld>
-  <p:clrMapOvr>
-    <a:masterClrMapping/>
-  </p:clrMapOvr>
-</p:sld>
-</file>
-
-<file path=ppt/slides/slide9.xml><?xml version="1.0" encoding="utf-8"?>
 <p:sld xmlns:a="http://schemas.openxmlformats.org/drawingml/2006/main" xmlns:r="http://schemas.openxmlformats.org/officeDocument/2006/relationships" xmlns:p="http://schemas.openxmlformats.org/presentationml/2006/main">
   <p:cSld>
     <p:bg>
@@ -5315,39 +5729,53 @@
       </p:grpSpPr>
       <p:sp>
         <p:nvSpPr>
-          <p:cNvPr id="3" name="副标题 2">
+          <p:cNvPr id="5" name="标题 1">
             <a:extLst>
               <a:ext uri="{FF2B5EF4-FFF2-40B4-BE49-F238E27FC236}">
-                <a16:creationId xmlns:a16="http://schemas.microsoft.com/office/drawing/2014/main" id="{B0A449E8-B1BB-440E-8CB2-BC01D38DC01D}"/>
+                <a16:creationId xmlns:a16="http://schemas.microsoft.com/office/drawing/2014/main" id="{9E7F9276-CB36-4D03-8899-4441C9E51EC0}"/>
               </a:ext>
             </a:extLst>
           </p:cNvPr>
-          <p:cNvSpPr>
-            <a:spLocks noGrp="1"/>
-          </p:cNvSpPr>
-          <p:nvPr>
-            <p:ph type="subTitle" idx="1"/>
-          </p:nvPr>
+          <p:cNvSpPr txBox="1">
+            <a:spLocks/>
+          </p:cNvSpPr>
+          <p:nvPr/>
         </p:nvSpPr>
         <p:spPr>
           <a:xfrm>
-            <a:off x="1592768" y="2504974"/>
-            <a:ext cx="5958464" cy="1848052"/>
+            <a:off x="886353" y="3062696"/>
+            <a:ext cx="7371295" cy="732608"/>
           </a:xfrm>
+          <a:prstGeom prst="rect">
+            <a:avLst/>
+          </a:prstGeom>
         </p:spPr>
         <p:txBody>
-          <a:bodyPr>
+          <a:bodyPr vert="horz" lIns="68580" tIns="34290" rIns="68580" bIns="34290" rtlCol="0" anchor="b">
             <a:noAutofit/>
           </a:bodyPr>
-          <a:lstStyle/>
-          <a:p>
-            <a:pPr>
+          <a:lstStyle>
+            <a:lvl1pPr algn="ctr" defTabSz="914400" rtl="0" eaLnBrk="1" latinLnBrk="0" hangingPunct="1">
               <a:lnSpc>
-                <a:spcPct val="120000"/>
+                <a:spcPct val="90000"/>
               </a:lnSpc>
-            </a:pPr>
-            <a:r>
-              <a:rPr lang="zh-CN" altLang="en-US" sz="2800" dirty="0">
+              <a:spcBef>
+                <a:spcPct val="0"/>
+              </a:spcBef>
+              <a:buNone/>
+              <a:defRPr sz="6000" kern="1200">
+                <a:solidFill>
+                  <a:schemeClr val="tx1"/>
+                </a:solidFill>
+                <a:latin typeface="+mj-lt"/>
+                <a:ea typeface="+mj-ea"/>
+                <a:cs typeface="+mj-cs"/>
+              </a:defRPr>
+            </a:lvl1pPr>
+          </a:lstStyle>
+          <a:p>
+            <a:r>
+              <a:rPr lang="zh-CN" altLang="en-US" sz="4000" dirty="0" smtClean="0">
                 <a:solidFill>
                   <a:schemeClr val="bg1"/>
                 </a:solidFill>
@@ -5355,57 +5783,14 @@
                 <a:ea typeface="黑体" panose="02010609060101010101" pitchFamily="49" charset="-122"/>
                 <a:cs typeface="Times New Roman" panose="02020603050405020304" pitchFamily="18" charset="0"/>
               </a:rPr>
-              <a:t>实验中请时刻注视屏幕中央</a:t>
-            </a:r>
-            <a:r>
-              <a:rPr lang="zh-CN" altLang="en-US" sz="2800" dirty="0" smtClean="0">
-                <a:solidFill>
-                  <a:schemeClr val="bg1"/>
-                </a:solidFill>
-                <a:latin typeface="黑体" panose="02010609060101010101" pitchFamily="49" charset="-122"/>
-                <a:ea typeface="黑体" panose="02010609060101010101" pitchFamily="49" charset="-122"/>
-                <a:cs typeface="Times New Roman" panose="02020603050405020304" pitchFamily="18" charset="0"/>
-              </a:rPr>
-              <a:t>的圆点，并在圆点颜色改变时尽快按左键反应。</a:t>
-            </a:r>
-            <a:endParaRPr lang="en-US" altLang="zh-CN" sz="2800" dirty="0">
+              <a:t>请稍事休息，后续实验马上开始。</a:t>
+            </a:r>
+            <a:endParaRPr lang="zh-CN" altLang="en-US" sz="4000" dirty="0">
               <a:solidFill>
                 <a:schemeClr val="bg1"/>
               </a:solidFill>
               <a:latin typeface="黑体" panose="02010609060101010101" pitchFamily="49" charset="-122"/>
               <a:ea typeface="黑体" panose="02010609060101010101" pitchFamily="49" charset="-122"/>
-              <a:cs typeface="Times New Roman" panose="02020603050405020304" pitchFamily="18" charset="0"/>
-            </a:endParaRPr>
-          </a:p>
-          <a:p>
-            <a:pPr>
-              <a:lnSpc>
-                <a:spcPct val="120000"/>
-              </a:lnSpc>
-            </a:pPr>
-            <a:r>
-              <a:rPr lang="zh-CN" altLang="en-US" sz="2800" dirty="0" smtClean="0">
-                <a:solidFill>
-                  <a:prstClr val="white"/>
-                </a:solidFill>
-                <a:latin typeface="黑体" panose="02010609060101010101" pitchFamily="49" charset="-122"/>
-                <a:ea typeface="黑体" panose="02010609060101010101" pitchFamily="49" charset="-122"/>
-              </a:rPr>
-              <a:t>准备好后按左键开始实验。</a:t>
-            </a:r>
-            <a:endParaRPr kumimoji="0" lang="zh-CN" altLang="en-US" sz="3200" b="0" i="0" u="none" strike="noStrike" kern="1200" cap="none" spc="0" normalizeH="0" baseline="0" noProof="0" dirty="0">
-              <a:ln>
-                <a:noFill/>
-              </a:ln>
-              <a:solidFill>
-                <a:prstClr val="white"/>
-              </a:solidFill>
-              <a:effectLst/>
-              <a:uLnTx/>
-              <a:uFillTx/>
-              <a:latin typeface="黑体" panose="02010609060101010101" pitchFamily="49" charset="-122"/>
-              <a:ea typeface="黑体" panose="02010609060101010101" pitchFamily="49" charset="-122"/>
-              <a:cs typeface="+mj-cs"/>
             </a:endParaRPr>
           </a:p>
         </p:txBody>
@@ -5413,7 +5798,86 @@
     </p:spTree>
     <p:extLst>
       <p:ext uri="{BB962C8B-B14F-4D97-AF65-F5344CB8AC3E}">
-        <p14:creationId xmlns:p14="http://schemas.microsoft.com/office/powerpoint/2010/main" val="2108798929"/>
+        <p14:creationId xmlns:p14="http://schemas.microsoft.com/office/powerpoint/2010/main" val="3095078492"/>
+      </p:ext>
+    </p:extLst>
+  </p:cSld>
+  <p:clrMapOvr>
+    <a:masterClrMapping/>
+  </p:clrMapOvr>
+</p:sld>
+</file>
+
+<file path=ppt/slides/slide9.xml><?xml version="1.0" encoding="utf-8"?>
+<p:sld xmlns:a="http://schemas.openxmlformats.org/drawingml/2006/main" xmlns:r="http://schemas.openxmlformats.org/officeDocument/2006/relationships" xmlns:p="http://schemas.openxmlformats.org/presentationml/2006/main">
+  <p:cSld>
+    <p:spTree>
+      <p:nvGrpSpPr>
+        <p:cNvPr id="1" name=""/>
+        <p:cNvGrpSpPr/>
+        <p:nvPr/>
+      </p:nvGrpSpPr>
+      <p:grpSpPr>
+        <a:xfrm>
+          <a:off x="0" y="0"/>
+          <a:ext cx="0" cy="0"/>
+          <a:chOff x="0" y="0"/>
+          <a:chExt cx="0" cy="0"/>
+        </a:xfrm>
+      </p:grpSpPr>
+      <p:sp>
+        <p:nvSpPr>
+          <p:cNvPr id="2" name="标题 1"/>
+          <p:cNvSpPr>
+            <a:spLocks noGrp="1"/>
+          </p:cNvSpPr>
+          <p:nvPr>
+            <p:ph type="title"/>
+          </p:nvPr>
+        </p:nvSpPr>
+        <p:spPr>
+          <a:xfrm>
+            <a:off x="628650" y="2766219"/>
+            <a:ext cx="7886700" cy="1325563"/>
+          </a:xfrm>
+        </p:spPr>
+        <p:txBody>
+          <a:bodyPr/>
+          <a:lstStyle/>
+          <a:p>
+            <a:pPr algn="ctr"/>
+            <a:r>
+              <a:rPr lang="en-US" altLang="zh-CN" dirty="0" smtClean="0">
+                <a:latin typeface="Times New Roman" panose="02020603050405020304" pitchFamily="18" charset="0"/>
+                <a:cs typeface="Times New Roman" panose="02020603050405020304" pitchFamily="18" charset="0"/>
+              </a:rPr>
+              <a:t>Test </a:t>
+            </a:r>
+            <a:r>
+              <a:rPr lang="en-US" altLang="zh-CN" dirty="0">
+                <a:latin typeface="Times New Roman" panose="02020603050405020304" pitchFamily="18" charset="0"/>
+                <a:cs typeface="Times New Roman" panose="02020603050405020304" pitchFamily="18" charset="0"/>
+              </a:rPr>
+              <a:t>s</a:t>
+            </a:r>
+            <a:r>
+              <a:rPr lang="en-US" altLang="zh-CN" dirty="0" smtClean="0">
+                <a:latin typeface="Times New Roman" panose="02020603050405020304" pitchFamily="18" charset="0"/>
+                <a:cs typeface="Times New Roman" panose="02020603050405020304" pitchFamily="18" charset="0"/>
+              </a:rPr>
+              <a:t>et</a:t>
+            </a:r>
+            <a:endParaRPr lang="zh-CN" altLang="en-US" dirty="0">
+              <a:latin typeface="Times New Roman" panose="02020603050405020304" pitchFamily="18" charset="0"/>
+              <a:cs typeface="Times New Roman" panose="02020603050405020304" pitchFamily="18" charset="0"/>
+            </a:endParaRPr>
+          </a:p>
+        </p:txBody>
+      </p:sp>
+    </p:spTree>
+    <p:extLst>
+      <p:ext uri="{BB962C8B-B14F-4D97-AF65-F5344CB8AC3E}">
+        <p14:creationId xmlns:p14="http://schemas.microsoft.com/office/powerpoint/2010/main" val="2445096982"/>
       </p:ext>
     </p:extLst>
   </p:cSld>
